--- a/doc/source/_static/mo_figures/model_overview_raw_figures.pptx
+++ b/doc/source/_static/mo_figures/model_overview_raw_figures.pptx
@@ -107,6 +107,11 @@
       </a:defRPr>
     </a:lvl9pPr>
   </p:defaultTextStyle>
+  <p:extLst>
+    <p:ext uri="{EFAFB233-063F-42B5-8137-9DF3F51BA10A}">
+      <p15:sldGuideLst xmlns:p15="http://schemas.microsoft.com/office/powerpoint/2012/main"/>
+    </p:ext>
+  </p:extLst>
 </p:presentation>
 </file>
 
@@ -192,7 +197,7 @@
           <a:p>
             <a:fld id="{7FCC5362-11BE-4886-978B-F647D810DE1A}" type="datetimeFigureOut">
               <a:rPr lang="en-US" smtClean="0"/>
-              <a:t>7/11/2021</a:t>
+              <a:t>7/22/2021</a:t>
             </a:fld>
             <a:endParaRPr lang="en-US"/>
           </a:p>
@@ -510,8 +515,10 @@
               <a:buNone/>
             </a:pPr>
             <a:r>
-              <a:rPr lang="en-US" dirty="0"/>
-              <a:t>1) Expanding boundaries to include pre- and post-processing steps</a:t>
+              <a:rPr lang="en-US" b="1" dirty="0">
+                <a:effectLst/>
+              </a:rPr>
+              <a:t>Update #1: expanded model boundaries.</a:t>
             </a:r>
           </a:p>
           <a:p>
@@ -522,46 +529,10 @@
               <a:buNone/>
             </a:pPr>
             <a:r>
-              <a:rPr lang="en-US" dirty="0"/>
-              <a:t>2) Adding a new consumer response component</a:t>
-            </a:r>
-          </a:p>
-          <a:p>
-            <a:pPr lvl="1">
-              <a:spcBef>
-                <a:spcPts val="600"/>
-              </a:spcBef>
-            </a:pPr>
-            <a:r>
-              <a:rPr lang="en-US" sz="2000" dirty="0">
-                <a:sym typeface="Wingdings" panose="05000000000000000000" pitchFamily="2" charset="2"/>
+              <a:rPr lang="en-US" b="1" dirty="0">
+                <a:effectLst/>
               </a:rPr>
-              <a:t>	Allow </a:t>
-            </a:r>
-            <a:r>
-              <a:rPr lang="en-US" sz="2000" u="sng" dirty="0">
-                <a:sym typeface="Wingdings" panose="05000000000000000000" pitchFamily="2" charset="2"/>
-              </a:rPr>
-              <a:t>different consumer responses to EVs and ICEs</a:t>
-            </a:r>
-          </a:p>
-          <a:p>
-            <a:pPr lvl="1">
-              <a:spcBef>
-                <a:spcPts val="600"/>
-              </a:spcBef>
-            </a:pPr>
-            <a:r>
-              <a:rPr lang="en-US" sz="2000" dirty="0">
-                <a:sym typeface="Wingdings" panose="05000000000000000000" pitchFamily="2" charset="2"/>
-              </a:rPr>
-              <a:t>	Model the stock of vehicles and their use over time </a:t>
-            </a:r>
-            <a:r>
-              <a:rPr lang="en-US" sz="2000" u="sng" dirty="0">
-                <a:sym typeface="Wingdings" panose="05000000000000000000" pitchFamily="2" charset="2"/>
-              </a:rPr>
-              <a:t>based on the overall demand for mobility</a:t>
+              <a:t>Update #2: an independent policy module.</a:t>
             </a:r>
           </a:p>
           <a:p>
@@ -572,14 +543,11 @@
               <a:buNone/>
             </a:pPr>
             <a:r>
-              <a:rPr lang="en-US" dirty="0">
-                <a:sym typeface="Wingdings" panose="05000000000000000000" pitchFamily="2" charset="2"/>
+              <a:rPr lang="en-US" b="1" dirty="0">
+                <a:effectLst/>
               </a:rPr>
-              <a:t>3) Improving modeling of strategic producer (e.g., mfr.) decisions over the entire analysis period</a:t>
-            </a:r>
-            <a:endParaRPr lang="en-US" u="sng" dirty="0">
-              <a:sym typeface="Wingdings" panose="05000000000000000000" pitchFamily="2" charset="2"/>
-            </a:endParaRPr>
+              <a:t>Update #3: the modeling of multi-year strategic producer decisions.</a:t>
+            </a:r>
           </a:p>
           <a:p>
             <a:pPr marL="457200" lvl="1" indent="0">
@@ -589,11 +557,64 @@
               <a:buNone/>
             </a:pPr>
             <a:r>
-              <a:rPr lang="en-US" dirty="0"/>
-              <a:t>4) Adding of consumer-producer decision feedback loop</a:t>
-            </a:r>
-          </a:p>
-          <a:p>
+              <a:rPr lang="en-US" sz="1200" dirty="0">
+                <a:sym typeface="Wingdings" panose="05000000000000000000" pitchFamily="2" charset="2"/>
+              </a:rPr>
+              <a:t>	Allow </a:t>
+            </a:r>
+            <a:r>
+              <a:rPr lang="en-US" sz="1200" u="sng" dirty="0">
+                <a:sym typeface="Wingdings" panose="05000000000000000000" pitchFamily="2" charset="2"/>
+              </a:rPr>
+              <a:t>different consumer responses to EVs and ICEs</a:t>
+            </a:r>
+          </a:p>
+          <a:p>
+            <a:pPr lvl="1">
+              <a:spcBef>
+                <a:spcPts val="600"/>
+              </a:spcBef>
+            </a:pPr>
+            <a:r>
+              <a:rPr lang="en-US" sz="1200" dirty="0">
+                <a:sym typeface="Wingdings" panose="05000000000000000000" pitchFamily="2" charset="2"/>
+              </a:rPr>
+              <a:t>	Model the stock of vehicles and their use over time </a:t>
+            </a:r>
+            <a:r>
+              <a:rPr lang="en-US" sz="1200" u="sng" dirty="0">
+                <a:sym typeface="Wingdings" panose="05000000000000000000" pitchFamily="2" charset="2"/>
+              </a:rPr>
+              <a:t>based on the overall demand for mobility</a:t>
+            </a:r>
+          </a:p>
+          <a:p>
+            <a:pPr marL="457200" lvl="1" indent="0">
+              <a:spcBef>
+                <a:spcPts val="600"/>
+              </a:spcBef>
+              <a:buNone/>
+            </a:pPr>
+            <a:r>
+              <a:rPr lang="en-US" b="1" dirty="0">
+                <a:effectLst/>
+              </a:rPr>
+              <a:t>Update #4: the addition of a consumer response component.</a:t>
+            </a:r>
+          </a:p>
+          <a:p>
+            <a:pPr marL="457200" lvl="1" indent="0">
+              <a:spcBef>
+                <a:spcPts val="600"/>
+              </a:spcBef>
+              <a:buNone/>
+            </a:pPr>
+            <a:r>
+              <a:rPr lang="en-US" b="1" dirty="0">
+                <a:effectLst/>
+              </a:rPr>
+              <a:t>Update #5: the addition of feedback loops between the consumer and producer decision modules and producer and policy modules.</a:t>
+            </a:r>
             <a:endParaRPr lang="en-US" dirty="0"/>
           </a:p>
         </p:txBody>
@@ -781,7 +802,7 @@
           <a:p>
             <a:fld id="{E82AF7A9-B7DD-4441-9529-7051C501C076}" type="datetimeFigureOut">
               <a:rPr lang="en-US" smtClean="0"/>
-              <a:t>7/11/2021</a:t>
+              <a:t>7/22/2021</a:t>
             </a:fld>
             <a:endParaRPr lang="en-US"/>
           </a:p>
@@ -979,7 +1000,7 @@
           <a:p>
             <a:fld id="{E82AF7A9-B7DD-4441-9529-7051C501C076}" type="datetimeFigureOut">
               <a:rPr lang="en-US" smtClean="0"/>
-              <a:t>7/11/2021</a:t>
+              <a:t>7/22/2021</a:t>
             </a:fld>
             <a:endParaRPr lang="en-US"/>
           </a:p>
@@ -1187,7 +1208,7 @@
           <a:p>
             <a:fld id="{E82AF7A9-B7DD-4441-9529-7051C501C076}" type="datetimeFigureOut">
               <a:rPr lang="en-US" smtClean="0"/>
-              <a:t>7/11/2021</a:t>
+              <a:t>7/22/2021</a:t>
             </a:fld>
             <a:endParaRPr lang="en-US"/>
           </a:p>
@@ -1385,7 +1406,7 @@
           <a:p>
             <a:fld id="{E82AF7A9-B7DD-4441-9529-7051C501C076}" type="datetimeFigureOut">
               <a:rPr lang="en-US" smtClean="0"/>
-              <a:t>7/11/2021</a:t>
+              <a:t>7/22/2021</a:t>
             </a:fld>
             <a:endParaRPr lang="en-US"/>
           </a:p>
@@ -1660,7 +1681,7 @@
           <a:p>
             <a:fld id="{E82AF7A9-B7DD-4441-9529-7051C501C076}" type="datetimeFigureOut">
               <a:rPr lang="en-US" smtClean="0"/>
-              <a:t>7/11/2021</a:t>
+              <a:t>7/22/2021</a:t>
             </a:fld>
             <a:endParaRPr lang="en-US"/>
           </a:p>
@@ -1925,7 +1946,7 @@
           <a:p>
             <a:fld id="{E82AF7A9-B7DD-4441-9529-7051C501C076}" type="datetimeFigureOut">
               <a:rPr lang="en-US" smtClean="0"/>
-              <a:t>7/11/2021</a:t>
+              <a:t>7/22/2021</a:t>
             </a:fld>
             <a:endParaRPr lang="en-US"/>
           </a:p>
@@ -2337,7 +2358,7 @@
           <a:p>
             <a:fld id="{E82AF7A9-B7DD-4441-9529-7051C501C076}" type="datetimeFigureOut">
               <a:rPr lang="en-US" smtClean="0"/>
-              <a:t>7/11/2021</a:t>
+              <a:t>7/22/2021</a:t>
             </a:fld>
             <a:endParaRPr lang="en-US"/>
           </a:p>
@@ -2478,7 +2499,7 @@
           <a:p>
             <a:fld id="{E82AF7A9-B7DD-4441-9529-7051C501C076}" type="datetimeFigureOut">
               <a:rPr lang="en-US" smtClean="0"/>
-              <a:t>7/11/2021</a:t>
+              <a:t>7/22/2021</a:t>
             </a:fld>
             <a:endParaRPr lang="en-US"/>
           </a:p>
@@ -2591,7 +2612,7 @@
           <a:p>
             <a:fld id="{E82AF7A9-B7DD-4441-9529-7051C501C076}" type="datetimeFigureOut">
               <a:rPr lang="en-US" smtClean="0"/>
-              <a:t>7/11/2021</a:t>
+              <a:t>7/22/2021</a:t>
             </a:fld>
             <a:endParaRPr lang="en-US"/>
           </a:p>
@@ -2902,7 +2923,7 @@
           <a:p>
             <a:fld id="{E82AF7A9-B7DD-4441-9529-7051C501C076}" type="datetimeFigureOut">
               <a:rPr lang="en-US" smtClean="0"/>
-              <a:t>7/11/2021</a:t>
+              <a:t>7/22/2021</a:t>
             </a:fld>
             <a:endParaRPr lang="en-US"/>
           </a:p>
@@ -3190,7 +3211,7 @@
           <a:p>
             <a:fld id="{E82AF7A9-B7DD-4441-9529-7051C501C076}" type="datetimeFigureOut">
               <a:rPr lang="en-US" smtClean="0"/>
-              <a:t>7/11/2021</a:t>
+              <a:t>7/22/2021</a:t>
             </a:fld>
             <a:endParaRPr lang="en-US"/>
           </a:p>
@@ -3431,7 +3452,7 @@
           <a:p>
             <a:fld id="{E82AF7A9-B7DD-4441-9529-7051C501C076}" type="datetimeFigureOut">
               <a:rPr lang="en-US" smtClean="0"/>
-              <a:t>7/11/2021</a:t>
+              <a:t>7/22/2021</a:t>
             </a:fld>
             <a:endParaRPr lang="en-US"/>
           </a:p>
@@ -4048,8 +4069,8 @@
         </p:nvSpPr>
         <p:spPr>
           <a:xfrm>
-            <a:off x="7545009" y="1967635"/>
-            <a:ext cx="1191929" cy="923495"/>
+            <a:off x="7545009" y="2417165"/>
+            <a:ext cx="1191929" cy="766586"/>
           </a:xfrm>
           <a:prstGeom prst="rect">
             <a:avLst/>
@@ -4124,8 +4145,8 @@
         </p:nvSpPr>
         <p:spPr>
           <a:xfrm>
-            <a:off x="9830285" y="1967635"/>
-            <a:ext cx="1193282" cy="913439"/>
+            <a:off x="9830285" y="2405907"/>
+            <a:ext cx="1188720" cy="767788"/>
           </a:xfrm>
           <a:prstGeom prst="rect">
             <a:avLst/>
@@ -4263,35 +4284,6 @@
               <a:cs typeface="Times New Roman" panose="02020603050405020304" pitchFamily="18" charset="0"/>
             </a:endParaRPr>
           </a:p>
-          <a:p>
-            <a:pPr marL="0" marR="0" algn="ctr">
-              <a:lnSpc>
-                <a:spcPct val="107000"/>
-              </a:lnSpc>
-              <a:spcBef>
-                <a:spcPts val="0"/>
-              </a:spcBef>
-              <a:spcAft>
-                <a:spcPts val="0"/>
-              </a:spcAft>
-            </a:pPr>
-            <a:r>
-              <a:rPr lang="en-US" kern="1200" dirty="0">
-                <a:solidFill>
-                  <a:srgbClr val="FFFFFF"/>
-                </a:solidFill>
-                <a:effectLst/>
-                <a:ea typeface="Calibri" panose="020F0502020204030204" pitchFamily="34" charset="0"/>
-                <a:cs typeface="Times New Roman" panose="02020603050405020304" pitchFamily="18" charset="0"/>
-              </a:rPr>
-              <a:t>Module</a:t>
-            </a:r>
-            <a:endParaRPr lang="en-US" dirty="0">
-              <a:effectLst/>
-              <a:ea typeface="Calibri" panose="020F0502020204030204" pitchFamily="34" charset="0"/>
-              <a:cs typeface="Times New Roman" panose="02020603050405020304" pitchFamily="18" charset="0"/>
-            </a:endParaRPr>
-          </a:p>
         </p:txBody>
       </p:sp>
       <p:sp>
@@ -4308,8 +4300,8 @@
         </p:nvSpPr>
         <p:spPr>
           <a:xfrm>
-            <a:off x="7407227" y="1452925"/>
-            <a:ext cx="3828266" cy="3527677"/>
+            <a:off x="7084906" y="1035155"/>
+            <a:ext cx="4150587" cy="3945448"/>
           </a:xfrm>
           <a:prstGeom prst="rect">
             <a:avLst/>
@@ -4365,7 +4357,7 @@
         </p:nvSpPr>
         <p:spPr>
           <a:xfrm>
-            <a:off x="7404477" y="1088778"/>
+            <a:off x="7076521" y="719709"/>
             <a:ext cx="1505551" cy="315445"/>
           </a:xfrm>
           <a:prstGeom prst="rect">
@@ -4438,18 +4430,19 @@
               </a:ext>
             </a:extLst>
           </p:cNvPr>
-          <p:cNvCxnSpPr/>
+          <p:cNvCxnSpPr>
+            <a:cxnSpLocks/>
+            <a:endCxn id="9" idx="0"/>
+          </p:cNvCxnSpPr>
           <p:nvPr/>
         </p:nvCxnSpPr>
         <p:spPr>
           <a:xfrm rot="10800000" flipV="1">
-            <a:off x="8157980" y="1624059"/>
-            <a:ext cx="1415452" cy="343576"/>
-          </a:xfrm>
-          <a:prstGeom prst="bentConnector3">
-            <a:avLst>
-              <a:gd name="adj1" fmla="val 99723"/>
-            </a:avLst>
+            <a:off x="8140974" y="2046959"/>
+            <a:ext cx="518300" cy="370206"/>
+          </a:xfrm>
+          <a:prstGeom prst="bentConnector2">
+            <a:avLst/>
           </a:prstGeom>
           <a:ln w="38100">
             <a:prstDash val="solid"/>
@@ -4471,106 +4464,22 @@
           </a:fontRef>
         </p:style>
       </p:cxnSp>
-      <p:cxnSp>
-        <p:nvCxnSpPr>
-          <p:cNvPr id="18" name="Connector: Elbow 17">
-            <a:extLst>
-              <a:ext uri="{FF2B5EF4-FFF2-40B4-BE49-F238E27FC236}">
-                <a16:creationId xmlns:a16="http://schemas.microsoft.com/office/drawing/2014/main" id="{4409A115-F08D-468E-91F3-B55642A7CCD8}"/>
-              </a:ext>
-            </a:extLst>
-          </p:cNvPr>
-          <p:cNvCxnSpPr/>
+      <p:sp>
+        <p:nvSpPr>
+          <p:cNvPr id="20" name="Rectangle 19">
+            <a:extLst>
+              <a:ext uri="{FF2B5EF4-FFF2-40B4-BE49-F238E27FC236}">
+                <a16:creationId xmlns:a16="http://schemas.microsoft.com/office/drawing/2014/main" id="{496E8A2C-4346-45C0-A883-683D3561EE69}"/>
+              </a:ext>
+            </a:extLst>
+          </p:cNvPr>
+          <p:cNvSpPr/>
           <p:nvPr/>
-        </p:nvCxnSpPr>
+        </p:nvSpPr>
         <p:spPr>
           <a:xfrm>
-            <a:off x="9002442" y="1624059"/>
-            <a:ext cx="1419112" cy="343576"/>
-          </a:xfrm>
-          <a:prstGeom prst="bentConnector3">
-            <a:avLst>
-              <a:gd name="adj1" fmla="val 101009"/>
-            </a:avLst>
-          </a:prstGeom>
-          <a:ln w="38100">
-            <a:prstDash val="solid"/>
-            <a:tailEnd type="triangle"/>
-          </a:ln>
-        </p:spPr>
-        <p:style>
-          <a:lnRef idx="1">
-            <a:schemeClr val="accent1"/>
-          </a:lnRef>
-          <a:fillRef idx="0">
-            <a:schemeClr val="accent1"/>
-          </a:fillRef>
-          <a:effectRef idx="0">
-            <a:schemeClr val="accent1"/>
-          </a:effectRef>
-          <a:fontRef idx="minor">
-            <a:schemeClr val="tx1"/>
-          </a:fontRef>
-        </p:style>
-      </p:cxnSp>
-      <p:cxnSp>
-        <p:nvCxnSpPr>
-          <p:cNvPr id="19" name="Straight Arrow Connector 18">
-            <a:extLst>
-              <a:ext uri="{FF2B5EF4-FFF2-40B4-BE49-F238E27FC236}">
-                <a16:creationId xmlns:a16="http://schemas.microsoft.com/office/drawing/2014/main" id="{43EFD76E-D802-4DE7-985A-29AE0CEC87B0}"/>
-              </a:ext>
-            </a:extLst>
-          </p:cNvPr>
-          <p:cNvCxnSpPr>
-            <a:cxnSpLocks/>
-          </p:cNvCxnSpPr>
-          <p:nvPr/>
-        </p:nvCxnSpPr>
-        <p:spPr>
-          <a:xfrm>
-            <a:off x="8972153" y="772797"/>
-            <a:ext cx="0" cy="832956"/>
-          </a:xfrm>
-          <a:prstGeom prst="straightConnector1">
-            <a:avLst/>
-          </a:prstGeom>
-          <a:ln w="38100">
-            <a:headEnd type="none" w="med" len="med"/>
-            <a:tailEnd type="none" w="med" len="med"/>
-          </a:ln>
-        </p:spPr>
-        <p:style>
-          <a:lnRef idx="1">
-            <a:schemeClr val="accent1"/>
-          </a:lnRef>
-          <a:fillRef idx="0">
-            <a:schemeClr val="accent1"/>
-          </a:fillRef>
-          <a:effectRef idx="0">
-            <a:schemeClr val="accent1"/>
-          </a:effectRef>
-          <a:fontRef idx="minor">
-            <a:schemeClr val="tx1"/>
-          </a:fontRef>
-        </p:style>
-      </p:cxnSp>
-      <p:sp>
-        <p:nvSpPr>
-          <p:cNvPr id="20" name="Rectangle 19">
-            <a:extLst>
-              <a:ext uri="{FF2B5EF4-FFF2-40B4-BE49-F238E27FC236}">
-                <a16:creationId xmlns:a16="http://schemas.microsoft.com/office/drawing/2014/main" id="{496E8A2C-4346-45C0-A883-683D3561EE69}"/>
-              </a:ext>
-            </a:extLst>
-          </p:cNvPr>
-          <p:cNvSpPr/>
-          <p:nvPr/>
-        </p:nvSpPr>
-        <p:spPr>
-          <a:xfrm>
-            <a:off x="9081409" y="791693"/>
-            <a:ext cx="2460608" cy="522916"/>
+            <a:off x="10074742" y="499261"/>
+            <a:ext cx="1610556" cy="398640"/>
           </a:xfrm>
           <a:prstGeom prst="rect">
             <a:avLst/>
@@ -4620,41 +4529,12 @@
                 <a:ea typeface="Calibri" panose="020F0502020204030204" pitchFamily="34" charset="0"/>
                 <a:cs typeface="Times New Roman" panose="02020603050405020304" pitchFamily="18" charset="0"/>
               </a:rPr>
-              <a:t>Policy Alternatives +</a:t>
+              <a:t>Policy Alternatives</a:t>
             </a:r>
             <a:endParaRPr lang="en-US" kern="1200" dirty="0">
               <a:solidFill>
                 <a:srgbClr val="000000"/>
               </a:solidFill>
-              <a:ea typeface="Calibri" panose="020F0502020204030204" pitchFamily="34" charset="0"/>
-              <a:cs typeface="Times New Roman" panose="02020603050405020304" pitchFamily="18" charset="0"/>
-            </a:endParaRPr>
-          </a:p>
-          <a:p>
-            <a:pPr marL="0" marR="0">
-              <a:lnSpc>
-                <a:spcPct val="70000"/>
-              </a:lnSpc>
-              <a:spcBef>
-                <a:spcPts val="0"/>
-              </a:spcBef>
-              <a:spcAft>
-                <a:spcPts val="0"/>
-              </a:spcAft>
-            </a:pPr>
-            <a:r>
-              <a:rPr lang="en-US" dirty="0">
-                <a:solidFill>
-                  <a:srgbClr val="000000"/>
-                </a:solidFill>
-                <a:effectLst/>
-                <a:ea typeface="Calibri" panose="020F0502020204030204" pitchFamily="34" charset="0"/>
-                <a:cs typeface="Times New Roman" panose="02020603050405020304" pitchFamily="18" charset="0"/>
-              </a:rPr>
-              <a:t>Analysis Context</a:t>
-            </a:r>
-            <a:endParaRPr lang="en-US" dirty="0">
-              <a:effectLst/>
               <a:ea typeface="Calibri" panose="020F0502020204030204" pitchFamily="34" charset="0"/>
               <a:cs typeface="Times New Roman" panose="02020603050405020304" pitchFamily="18" charset="0"/>
             </a:endParaRPr>
@@ -4779,8 +4659,8 @@
         </p:nvSpPr>
         <p:spPr>
           <a:xfrm rot="18397633">
-            <a:off x="8660759" y="2023979"/>
-            <a:ext cx="1299962" cy="1282155"/>
+            <a:off x="8657517" y="2355578"/>
+            <a:ext cx="1280160" cy="1280160"/>
           </a:xfrm>
           <a:prstGeom prst="arc">
             <a:avLst>
@@ -4817,10 +4697,10 @@
       </p:sp>
       <p:sp>
         <p:nvSpPr>
-          <p:cNvPr id="23" name="Arc 22">
-            <a:extLst>
-              <a:ext uri="{FF2B5EF4-FFF2-40B4-BE49-F238E27FC236}">
-                <a16:creationId xmlns:a16="http://schemas.microsoft.com/office/drawing/2014/main" id="{81348C87-5AAC-4AE1-97F5-3C9B81D53DFF}"/>
+          <p:cNvPr id="32" name="Oval 31">
+            <a:extLst>
+              <a:ext uri="{FF2B5EF4-FFF2-40B4-BE49-F238E27FC236}">
+                <a16:creationId xmlns:a16="http://schemas.microsoft.com/office/drawing/2014/main" id="{05D4BA71-92A5-4EB3-910A-D86A77B115A1}"/>
               </a:ext>
             </a:extLst>
           </p:cNvPr>
@@ -4828,58 +4708,8 @@
           <p:nvPr/>
         </p:nvSpPr>
         <p:spPr>
-          <a:xfrm rot="7736929">
-            <a:off x="8636365" y="1561395"/>
-            <a:ext cx="1299962" cy="1282155"/>
-          </a:xfrm>
-          <a:prstGeom prst="arc">
-            <a:avLst>
-              <a:gd name="adj1" fmla="val 16200000"/>
-              <a:gd name="adj2" fmla="val 987624"/>
-            </a:avLst>
-          </a:prstGeom>
-          <a:ln w="38100">
-            <a:headEnd type="none" w="med" len="med"/>
-            <a:tailEnd type="triangle" w="med" len="med"/>
-          </a:ln>
-        </p:spPr>
-        <p:style>
-          <a:lnRef idx="1">
-            <a:schemeClr val="accent1"/>
-          </a:lnRef>
-          <a:fillRef idx="0">
-            <a:schemeClr val="accent1"/>
-          </a:fillRef>
-          <a:effectRef idx="0">
-            <a:schemeClr val="accent1"/>
-          </a:effectRef>
-          <a:fontRef idx="minor">
-            <a:schemeClr val="tx1"/>
-          </a:fontRef>
-        </p:style>
-        <p:txBody>
-          <a:bodyPr rtlCol="0" anchor="ctr"/>
-          <a:lstStyle/>
-          <a:p>
-            <a:endParaRPr lang="en-US" sz="3200" dirty="0"/>
-          </a:p>
-        </p:txBody>
-      </p:sp>
-      <p:sp>
-        <p:nvSpPr>
-          <p:cNvPr id="29" name="Oval 28">
-            <a:extLst>
-              <a:ext uri="{FF2B5EF4-FFF2-40B4-BE49-F238E27FC236}">
-                <a16:creationId xmlns:a16="http://schemas.microsoft.com/office/drawing/2014/main" id="{2F8C6409-699C-4266-B997-18E558C2CA73}"/>
-              </a:ext>
-            </a:extLst>
-          </p:cNvPr>
-          <p:cNvSpPr/>
-          <p:nvPr/>
-        </p:nvSpPr>
-        <p:spPr>
           <a:xfrm>
-            <a:off x="10981012" y="1231722"/>
+            <a:off x="7463284" y="2937620"/>
             <a:ext cx="511122" cy="511122"/>
           </a:xfrm>
           <a:prstGeom prst="ellipse">
@@ -4921,17 +4751,17 @@
                   <a:schemeClr val="tx1"/>
                 </a:solidFill>
               </a:rPr>
-              <a:t>1</a:t>
-            </a:r>
-          </a:p>
-        </p:txBody>
-      </p:sp>
-      <p:sp>
-        <p:nvSpPr>
-          <p:cNvPr id="32" name="Oval 31">
-            <a:extLst>
-              <a:ext uri="{FF2B5EF4-FFF2-40B4-BE49-F238E27FC236}">
-                <a16:creationId xmlns:a16="http://schemas.microsoft.com/office/drawing/2014/main" id="{05D4BA71-92A5-4EB3-910A-D86A77B115A1}"/>
+              <a:t>4</a:t>
+            </a:r>
+          </a:p>
+        </p:txBody>
+      </p:sp>
+      <p:sp>
+        <p:nvSpPr>
+          <p:cNvPr id="36" name="Oval 35">
+            <a:extLst>
+              <a:ext uri="{FF2B5EF4-FFF2-40B4-BE49-F238E27FC236}">
+                <a16:creationId xmlns:a16="http://schemas.microsoft.com/office/drawing/2014/main" id="{E276F95E-94EB-4C62-A132-1F4F51438D88}"/>
               </a:ext>
             </a:extLst>
           </p:cNvPr>
@@ -4940,8 +4770,8 @@
         </p:nvSpPr>
         <p:spPr>
           <a:xfrm>
-            <a:off x="8331667" y="2657171"/>
-            <a:ext cx="511122" cy="511122"/>
+            <a:off x="10861874" y="2845700"/>
+            <a:ext cx="443987" cy="443987"/>
           </a:xfrm>
           <a:prstGeom prst="ellipse">
             <a:avLst/>
@@ -4982,17 +4812,17 @@
                   <a:schemeClr val="tx1"/>
                 </a:solidFill>
               </a:rPr>
-              <a:t>2</a:t>
-            </a:r>
-          </a:p>
-        </p:txBody>
-      </p:sp>
-      <p:sp>
-        <p:nvSpPr>
-          <p:cNvPr id="36" name="Oval 35">
-            <a:extLst>
-              <a:ext uri="{FF2B5EF4-FFF2-40B4-BE49-F238E27FC236}">
-                <a16:creationId xmlns:a16="http://schemas.microsoft.com/office/drawing/2014/main" id="{E276F95E-94EB-4C62-A132-1F4F51438D88}"/>
+              <a:t>3</a:t>
+            </a:r>
+          </a:p>
+        </p:txBody>
+      </p:sp>
+      <p:sp>
+        <p:nvSpPr>
+          <p:cNvPr id="39" name="Oval 38">
+            <a:extLst>
+              <a:ext uri="{FF2B5EF4-FFF2-40B4-BE49-F238E27FC236}">
+                <a16:creationId xmlns:a16="http://schemas.microsoft.com/office/drawing/2014/main" id="{41B8F130-62A8-48D1-8724-B42714ED798D}"/>
               </a:ext>
             </a:extLst>
           </p:cNvPr>
@@ -5001,7 +4831,7 @@
         </p:nvSpPr>
         <p:spPr>
           <a:xfrm>
-            <a:off x="10688556" y="2640183"/>
+            <a:off x="9306980" y="1486961"/>
             <a:ext cx="443987" cy="443987"/>
           </a:xfrm>
           <a:prstGeom prst="ellipse">
@@ -5043,68 +4873,7 @@
                   <a:schemeClr val="tx1"/>
                 </a:solidFill>
               </a:rPr>
-              <a:t>3</a:t>
-            </a:r>
-          </a:p>
-        </p:txBody>
-      </p:sp>
-      <p:sp>
-        <p:nvSpPr>
-          <p:cNvPr id="39" name="Oval 38">
-            <a:extLst>
-              <a:ext uri="{FF2B5EF4-FFF2-40B4-BE49-F238E27FC236}">
-                <a16:creationId xmlns:a16="http://schemas.microsoft.com/office/drawing/2014/main" id="{41B8F130-62A8-48D1-8724-B42714ED798D}"/>
-              </a:ext>
-            </a:extLst>
-          </p:cNvPr>
-          <p:cNvSpPr/>
-          <p:nvPr/>
-        </p:nvSpPr>
-        <p:spPr>
-          <a:xfrm>
-            <a:off x="9127808" y="2649657"/>
-            <a:ext cx="443987" cy="443987"/>
-          </a:xfrm>
-          <a:prstGeom prst="ellipse">
-            <a:avLst/>
-          </a:prstGeom>
-          <a:solidFill>
-            <a:schemeClr val="bg1"/>
-          </a:solidFill>
-          <a:ln w="28575">
-            <a:solidFill>
-              <a:schemeClr val="tx1"/>
-            </a:solidFill>
-          </a:ln>
-        </p:spPr>
-        <p:style>
-          <a:lnRef idx="2">
-            <a:schemeClr val="accent1">
-              <a:shade val="50000"/>
-            </a:schemeClr>
-          </a:lnRef>
-          <a:fillRef idx="1">
-            <a:schemeClr val="accent1"/>
-          </a:fillRef>
-          <a:effectRef idx="0">
-            <a:schemeClr val="accent1"/>
-          </a:effectRef>
-          <a:fontRef idx="minor">
-            <a:schemeClr val="lt1"/>
-          </a:fontRef>
-        </p:style>
-        <p:txBody>
-          <a:bodyPr rtlCol="0" anchor="ctr"/>
-          <a:lstStyle/>
-          <a:p>
-            <a:pPr algn="ctr"/>
-            <a:r>
-              <a:rPr lang="en-US" sz="3600" b="1" dirty="0">
-                <a:solidFill>
-                  <a:schemeClr val="tx1"/>
-                </a:solidFill>
-              </a:rPr>
-              <a:t>4</a:t>
+              <a:t>5</a:t>
             </a:r>
           </a:p>
         </p:txBody>
@@ -5126,8 +4895,8 @@
         </p:nvCxnSpPr>
         <p:spPr>
           <a:xfrm rot="10800000">
-            <a:off x="8140974" y="2891131"/>
-            <a:ext cx="831576" cy="433095"/>
+            <a:off x="8140975" y="3183752"/>
+            <a:ext cx="831179" cy="131885"/>
           </a:xfrm>
           <a:prstGeom prst="bentConnector2">
             <a:avLst/>
@@ -5169,8 +4938,8 @@
         </p:nvCxnSpPr>
         <p:spPr>
           <a:xfrm flipV="1">
-            <a:off x="8965406" y="2881074"/>
-            <a:ext cx="1461520" cy="443151"/>
+            <a:off x="8915291" y="3173695"/>
+            <a:ext cx="1509354" cy="140418"/>
           </a:xfrm>
           <a:prstGeom prst="bentConnector2">
             <a:avLst/>
@@ -5619,11 +5388,7 @@
           <a:prstGeom prst="rect">
             <a:avLst/>
           </a:prstGeom>
-          <a:solidFill>
-            <a:schemeClr val="accent4">
-              <a:lumMod val="75000"/>
-            </a:schemeClr>
-          </a:solidFill>
+          <a:noFill/>
           <a:ln>
             <a:solidFill>
               <a:schemeClr val="tx1"/>
@@ -5664,7 +5429,7 @@
             <a:r>
               <a:rPr lang="en-US" kern="1200" dirty="0">
                 <a:solidFill>
-                  <a:srgbClr val="FFFFFF"/>
+                  <a:sysClr val="windowText" lastClr="000000"/>
                 </a:solidFill>
                 <a:effectLst/>
                 <a:ea typeface="Calibri" panose="020F0502020204030204" pitchFamily="34" charset="0"/>
@@ -5673,6 +5438,9 @@
               <a:t>Effects</a:t>
             </a:r>
             <a:endParaRPr lang="en-US" dirty="0">
+              <a:solidFill>
+                <a:sysClr val="windowText" lastClr="000000"/>
+              </a:solidFill>
               <a:effectLst/>
               <a:ea typeface="Calibri" panose="020F0502020204030204" pitchFamily="34" charset="0"/>
               <a:cs typeface="Times New Roman" panose="02020603050405020304" pitchFamily="18" charset="0"/>
@@ -5693,7 +5461,7 @@
             <a:r>
               <a:rPr lang="en-US" kern="1200" dirty="0">
                 <a:solidFill>
-                  <a:srgbClr val="FFFFFF"/>
+                  <a:sysClr val="windowText" lastClr="000000"/>
                 </a:solidFill>
                 <a:effectLst/>
                 <a:ea typeface="Calibri" panose="020F0502020204030204" pitchFamily="34" charset="0"/>
@@ -5702,6 +5470,9 @@
               <a:t>Postprocessing</a:t>
             </a:r>
             <a:endParaRPr lang="en-US" dirty="0">
+              <a:solidFill>
+                <a:sysClr val="windowText" lastClr="000000"/>
+              </a:solidFill>
               <a:effectLst/>
               <a:ea typeface="Calibri" panose="020F0502020204030204" pitchFamily="34" charset="0"/>
               <a:cs typeface="Times New Roman" panose="02020603050405020304" pitchFamily="18" charset="0"/>
@@ -6171,6 +5942,524 @@
           <a:xfrm>
             <a:off x="3234542" y="1216793"/>
             <a:ext cx="1564651" cy="840285"/>
+          </a:xfrm>
+          <a:prstGeom prst="rect">
+            <a:avLst/>
+          </a:prstGeom>
+          <a:noFill/>
+          <a:ln>
+            <a:solidFill>
+              <a:schemeClr val="tx1"/>
+            </a:solidFill>
+          </a:ln>
+        </p:spPr>
+        <p:style>
+          <a:lnRef idx="2">
+            <a:schemeClr val="accent1">
+              <a:shade val="50000"/>
+            </a:schemeClr>
+          </a:lnRef>
+          <a:fillRef idx="1">
+            <a:schemeClr val="accent1"/>
+          </a:fillRef>
+          <a:effectRef idx="0">
+            <a:schemeClr val="accent1"/>
+          </a:effectRef>
+          <a:fontRef idx="minor">
+            <a:schemeClr val="lt1"/>
+          </a:fontRef>
+        </p:style>
+        <p:txBody>
+          <a:bodyPr lIns="18288" tIns="18288" rIns="18288" bIns="18288" rtlCol="0" anchor="ctr"/>
+          <a:lstStyle/>
+          <a:p>
+            <a:pPr marL="0" marR="0" algn="ctr">
+              <a:lnSpc>
+                <a:spcPct val="106000"/>
+              </a:lnSpc>
+              <a:spcBef>
+                <a:spcPts val="0"/>
+              </a:spcBef>
+              <a:spcAft>
+                <a:spcPts val="800"/>
+              </a:spcAft>
+            </a:pPr>
+            <a:r>
+              <a:rPr lang="en-US" kern="1200" dirty="0">
+                <a:solidFill>
+                  <a:sysClr val="windowText" lastClr="000000"/>
+                </a:solidFill>
+                <a:effectLst/>
+                <a:ea typeface="Calibri" panose="020F0502020204030204" pitchFamily="34" charset="0"/>
+                <a:cs typeface="Times New Roman" panose="02020603050405020304" pitchFamily="18" charset="0"/>
+              </a:rPr>
+              <a:t>Technology Preprocessing</a:t>
+            </a:r>
+            <a:endParaRPr lang="en-US" sz="2400" dirty="0">
+              <a:solidFill>
+                <a:sysClr val="windowText" lastClr="000000"/>
+              </a:solidFill>
+              <a:effectLst/>
+              <a:ea typeface="Calibri" panose="020F0502020204030204" pitchFamily="34" charset="0"/>
+              <a:cs typeface="Times New Roman" panose="02020603050405020304" pitchFamily="18" charset="0"/>
+            </a:endParaRPr>
+          </a:p>
+        </p:txBody>
+      </p:sp>
+      <p:cxnSp>
+        <p:nvCxnSpPr>
+          <p:cNvPr id="91" name="Straight Arrow Connector 90">
+            <a:extLst>
+              <a:ext uri="{FF2B5EF4-FFF2-40B4-BE49-F238E27FC236}">
+                <a16:creationId xmlns:a16="http://schemas.microsoft.com/office/drawing/2014/main" id="{7CE88EC6-6EB0-44AD-A251-A9E612230160}"/>
+              </a:ext>
+            </a:extLst>
+          </p:cNvPr>
+          <p:cNvCxnSpPr>
+            <a:cxnSpLocks/>
+          </p:cNvCxnSpPr>
+          <p:nvPr/>
+        </p:nvCxnSpPr>
+        <p:spPr>
+          <a:xfrm>
+            <a:off x="3517410" y="773975"/>
+            <a:ext cx="0" cy="487011"/>
+          </a:xfrm>
+          <a:prstGeom prst="straightConnector1">
+            <a:avLst/>
+          </a:prstGeom>
+          <a:ln w="38100">
+            <a:headEnd type="none" w="med" len="med"/>
+            <a:tailEnd type="triangle" w="med" len="med"/>
+          </a:ln>
+        </p:spPr>
+        <p:style>
+          <a:lnRef idx="1">
+            <a:schemeClr val="accent1"/>
+          </a:lnRef>
+          <a:fillRef idx="0">
+            <a:schemeClr val="accent1"/>
+          </a:fillRef>
+          <a:effectRef idx="0">
+            <a:schemeClr val="accent1"/>
+          </a:effectRef>
+          <a:fontRef idx="minor">
+            <a:schemeClr val="tx1"/>
+          </a:fontRef>
+        </p:style>
+      </p:cxnSp>
+      <p:sp>
+        <p:nvSpPr>
+          <p:cNvPr id="92" name="Rectangle 91">
+            <a:extLst>
+              <a:ext uri="{FF2B5EF4-FFF2-40B4-BE49-F238E27FC236}">
+                <a16:creationId xmlns:a16="http://schemas.microsoft.com/office/drawing/2014/main" id="{73694E19-8ADC-40A4-A54E-0817646AB896}"/>
+              </a:ext>
+            </a:extLst>
+          </p:cNvPr>
+          <p:cNvSpPr/>
+          <p:nvPr/>
+        </p:nvSpPr>
+        <p:spPr>
+          <a:xfrm>
+            <a:off x="3590929" y="773975"/>
+            <a:ext cx="1429457" cy="522359"/>
+          </a:xfrm>
+          <a:prstGeom prst="rect">
+            <a:avLst/>
+          </a:prstGeom>
+          <a:noFill/>
+          <a:ln>
+            <a:noFill/>
+          </a:ln>
+        </p:spPr>
+        <p:style>
+          <a:lnRef idx="2">
+            <a:schemeClr val="accent1">
+              <a:shade val="50000"/>
+            </a:schemeClr>
+          </a:lnRef>
+          <a:fillRef idx="1">
+            <a:schemeClr val="accent1"/>
+          </a:fillRef>
+          <a:effectRef idx="0">
+            <a:schemeClr val="accent1"/>
+          </a:effectRef>
+          <a:fontRef idx="minor">
+            <a:schemeClr val="lt1"/>
+          </a:fontRef>
+        </p:style>
+        <p:txBody>
+          <a:bodyPr lIns="0" tIns="0" rIns="0" bIns="0" rtlCol="0" anchor="ctr"/>
+          <a:lstStyle/>
+          <a:p>
+            <a:pPr marL="0" marR="0">
+              <a:lnSpc>
+                <a:spcPct val="70000"/>
+              </a:lnSpc>
+              <a:spcBef>
+                <a:spcPts val="0"/>
+              </a:spcBef>
+              <a:spcAft>
+                <a:spcPts val="0"/>
+              </a:spcAft>
+            </a:pPr>
+            <a:r>
+              <a:rPr lang="en-US" kern="1200" dirty="0">
+                <a:solidFill>
+                  <a:srgbClr val="000000"/>
+                </a:solidFill>
+                <a:effectLst/>
+                <a:ea typeface="Calibri" panose="020F0502020204030204" pitchFamily="34" charset="0"/>
+                <a:cs typeface="Times New Roman" panose="02020603050405020304" pitchFamily="18" charset="0"/>
+              </a:rPr>
+              <a:t>Technologies</a:t>
+            </a:r>
+            <a:endParaRPr lang="en-US" dirty="0">
+              <a:effectLst/>
+              <a:ea typeface="Calibri" panose="020F0502020204030204" pitchFamily="34" charset="0"/>
+              <a:cs typeface="Times New Roman" panose="02020603050405020304" pitchFamily="18" charset="0"/>
+            </a:endParaRPr>
+          </a:p>
+        </p:txBody>
+      </p:sp>
+      <p:sp>
+        <p:nvSpPr>
+          <p:cNvPr id="96" name="Rectangle 95">
+            <a:extLst>
+              <a:ext uri="{FF2B5EF4-FFF2-40B4-BE49-F238E27FC236}">
+                <a16:creationId xmlns:a16="http://schemas.microsoft.com/office/drawing/2014/main" id="{B2B4F85F-D359-443C-B79B-9E496CBCE2FA}"/>
+              </a:ext>
+            </a:extLst>
+          </p:cNvPr>
+          <p:cNvSpPr/>
+          <p:nvPr/>
+        </p:nvSpPr>
+        <p:spPr>
+          <a:xfrm>
+            <a:off x="626508" y="1279428"/>
+            <a:ext cx="2231022" cy="522916"/>
+          </a:xfrm>
+          <a:prstGeom prst="rect">
+            <a:avLst/>
+          </a:prstGeom>
+          <a:noFill/>
+          <a:ln>
+            <a:noFill/>
+          </a:ln>
+        </p:spPr>
+        <p:style>
+          <a:lnRef idx="2">
+            <a:schemeClr val="accent1">
+              <a:shade val="50000"/>
+            </a:schemeClr>
+          </a:lnRef>
+          <a:fillRef idx="1">
+            <a:schemeClr val="accent1"/>
+          </a:fillRef>
+          <a:effectRef idx="0">
+            <a:schemeClr val="accent1"/>
+          </a:effectRef>
+          <a:fontRef idx="minor">
+            <a:schemeClr val="lt1"/>
+          </a:fontRef>
+        </p:style>
+        <p:txBody>
+          <a:bodyPr lIns="0" tIns="0" rIns="0" bIns="0" rtlCol="0" anchor="ctr"/>
+          <a:lstStyle/>
+          <a:p>
+            <a:pPr marL="0" marR="0" algn="r">
+              <a:lnSpc>
+                <a:spcPct val="70000"/>
+              </a:lnSpc>
+              <a:spcBef>
+                <a:spcPts val="0"/>
+              </a:spcBef>
+              <a:spcAft>
+                <a:spcPts val="0"/>
+              </a:spcAft>
+            </a:pPr>
+            <a:r>
+              <a:rPr lang="en-US" kern="1200" dirty="0">
+                <a:solidFill>
+                  <a:srgbClr val="000000"/>
+                </a:solidFill>
+                <a:effectLst/>
+                <a:ea typeface="Calibri" panose="020F0502020204030204" pitchFamily="34" charset="0"/>
+                <a:cs typeface="Times New Roman" panose="02020603050405020304" pitchFamily="18" charset="0"/>
+              </a:rPr>
+              <a:t>Policy Alternatives +</a:t>
+            </a:r>
+            <a:endParaRPr lang="en-US" kern="1200" dirty="0">
+              <a:solidFill>
+                <a:srgbClr val="000000"/>
+              </a:solidFill>
+              <a:ea typeface="Calibri" panose="020F0502020204030204" pitchFamily="34" charset="0"/>
+              <a:cs typeface="Times New Roman" panose="02020603050405020304" pitchFamily="18" charset="0"/>
+            </a:endParaRPr>
+          </a:p>
+          <a:p>
+            <a:pPr marL="0" marR="0" algn="r">
+              <a:lnSpc>
+                <a:spcPct val="70000"/>
+              </a:lnSpc>
+              <a:spcBef>
+                <a:spcPts val="0"/>
+              </a:spcBef>
+              <a:spcAft>
+                <a:spcPts val="0"/>
+              </a:spcAft>
+            </a:pPr>
+            <a:r>
+              <a:rPr lang="en-US" dirty="0">
+                <a:solidFill>
+                  <a:srgbClr val="000000"/>
+                </a:solidFill>
+                <a:effectLst/>
+                <a:ea typeface="Calibri" panose="020F0502020204030204" pitchFamily="34" charset="0"/>
+                <a:cs typeface="Times New Roman" panose="02020603050405020304" pitchFamily="18" charset="0"/>
+              </a:rPr>
+              <a:t>Base Year Fleet</a:t>
+            </a:r>
+            <a:endParaRPr lang="en-US" dirty="0">
+              <a:effectLst/>
+              <a:ea typeface="Calibri" panose="020F0502020204030204" pitchFamily="34" charset="0"/>
+              <a:cs typeface="Times New Roman" panose="02020603050405020304" pitchFamily="18" charset="0"/>
+            </a:endParaRPr>
+          </a:p>
+        </p:txBody>
+      </p:sp>
+      <p:cxnSp>
+        <p:nvCxnSpPr>
+          <p:cNvPr id="97" name="Straight Arrow Connector 96">
+            <a:extLst>
+              <a:ext uri="{FF2B5EF4-FFF2-40B4-BE49-F238E27FC236}">
+                <a16:creationId xmlns:a16="http://schemas.microsoft.com/office/drawing/2014/main" id="{D67215C6-CE7E-4AD3-941D-ABFC328F4920}"/>
+              </a:ext>
+            </a:extLst>
+          </p:cNvPr>
+          <p:cNvCxnSpPr>
+            <a:cxnSpLocks/>
+          </p:cNvCxnSpPr>
+          <p:nvPr/>
+        </p:nvCxnSpPr>
+        <p:spPr>
+          <a:xfrm>
+            <a:off x="2944006" y="1296334"/>
+            <a:ext cx="0" cy="1409398"/>
+          </a:xfrm>
+          <a:prstGeom prst="straightConnector1">
+            <a:avLst/>
+          </a:prstGeom>
+          <a:ln w="38100">
+            <a:headEnd type="none" w="med" len="med"/>
+            <a:tailEnd type="triangle" w="med" len="med"/>
+          </a:ln>
+        </p:spPr>
+        <p:style>
+          <a:lnRef idx="1">
+            <a:schemeClr val="accent1"/>
+          </a:lnRef>
+          <a:fillRef idx="0">
+            <a:schemeClr val="accent1"/>
+          </a:fillRef>
+          <a:effectRef idx="0">
+            <a:schemeClr val="accent1"/>
+          </a:effectRef>
+          <a:fontRef idx="minor">
+            <a:schemeClr val="tx1"/>
+          </a:fontRef>
+        </p:style>
+      </p:cxnSp>
+      <p:sp>
+        <p:nvSpPr>
+          <p:cNvPr id="102" name="Rectangle 101">
+            <a:extLst>
+              <a:ext uri="{FF2B5EF4-FFF2-40B4-BE49-F238E27FC236}">
+                <a16:creationId xmlns:a16="http://schemas.microsoft.com/office/drawing/2014/main" id="{6EFB4C5F-95C2-4C76-9602-E77996337283}"/>
+              </a:ext>
+            </a:extLst>
+          </p:cNvPr>
+          <p:cNvSpPr/>
+          <p:nvPr/>
+        </p:nvSpPr>
+        <p:spPr>
+          <a:xfrm>
+            <a:off x="3134323" y="3679439"/>
+            <a:ext cx="2050980" cy="435864"/>
+          </a:xfrm>
+          <a:prstGeom prst="rect">
+            <a:avLst/>
+          </a:prstGeom>
+          <a:noFill/>
+          <a:ln>
+            <a:noFill/>
+          </a:ln>
+        </p:spPr>
+        <p:style>
+          <a:lnRef idx="2">
+            <a:schemeClr val="accent1">
+              <a:shade val="50000"/>
+            </a:schemeClr>
+          </a:lnRef>
+          <a:fillRef idx="1">
+            <a:schemeClr val="accent1"/>
+          </a:fillRef>
+          <a:effectRef idx="0">
+            <a:schemeClr val="accent1"/>
+          </a:effectRef>
+          <a:fontRef idx="minor">
+            <a:schemeClr val="lt1"/>
+          </a:fontRef>
+        </p:style>
+        <p:txBody>
+          <a:bodyPr lIns="0" tIns="0" rIns="0" bIns="0" rtlCol="0" anchor="ctr"/>
+          <a:lstStyle/>
+          <a:p>
+            <a:pPr marL="0" marR="0">
+              <a:lnSpc>
+                <a:spcPct val="70000"/>
+              </a:lnSpc>
+              <a:spcBef>
+                <a:spcPts val="0"/>
+              </a:spcBef>
+              <a:spcAft>
+                <a:spcPts val="0"/>
+              </a:spcAft>
+            </a:pPr>
+            <a:r>
+              <a:rPr lang="en-US" kern="1200" dirty="0">
+                <a:solidFill>
+                  <a:srgbClr val="000000"/>
+                </a:solidFill>
+                <a:effectLst/>
+                <a:ea typeface="Calibri" panose="020F0502020204030204" pitchFamily="34" charset="0"/>
+                <a:cs typeface="Times New Roman" panose="02020603050405020304" pitchFamily="18" charset="0"/>
+              </a:rPr>
+              <a:t>New Vehicles with </a:t>
+            </a:r>
+          </a:p>
+          <a:p>
+            <a:pPr marL="0" marR="0">
+              <a:lnSpc>
+                <a:spcPct val="70000"/>
+              </a:lnSpc>
+              <a:spcBef>
+                <a:spcPts val="0"/>
+              </a:spcBef>
+              <a:spcAft>
+                <a:spcPts val="0"/>
+              </a:spcAft>
+            </a:pPr>
+            <a:r>
+              <a:rPr lang="en-US" dirty="0">
+                <a:solidFill>
+                  <a:srgbClr val="000000"/>
+                </a:solidFill>
+                <a:ea typeface="Calibri" panose="020F0502020204030204" pitchFamily="34" charset="0"/>
+                <a:cs typeface="Times New Roman" panose="02020603050405020304" pitchFamily="18" charset="0"/>
+              </a:rPr>
+              <a:t>Applied Technologies</a:t>
+            </a:r>
+            <a:endParaRPr lang="en-US" dirty="0">
+              <a:effectLst/>
+              <a:ea typeface="Calibri" panose="020F0502020204030204" pitchFamily="34" charset="0"/>
+              <a:cs typeface="Times New Roman" panose="02020603050405020304" pitchFamily="18" charset="0"/>
+            </a:endParaRPr>
+          </a:p>
+        </p:txBody>
+      </p:sp>
+      <p:sp>
+        <p:nvSpPr>
+          <p:cNvPr id="105" name="Rectangle 104">
+            <a:extLst>
+              <a:ext uri="{FF2B5EF4-FFF2-40B4-BE49-F238E27FC236}">
+                <a16:creationId xmlns:a16="http://schemas.microsoft.com/office/drawing/2014/main" id="{E3C0D3A3-5415-4FCF-BF89-EEFA16326E2D}"/>
+              </a:ext>
+            </a:extLst>
+          </p:cNvPr>
+          <p:cNvSpPr/>
+          <p:nvPr/>
+        </p:nvSpPr>
+        <p:spPr>
+          <a:xfrm>
+            <a:off x="8685792" y="551129"/>
+            <a:ext cx="1505548" cy="386798"/>
+          </a:xfrm>
+          <a:prstGeom prst="rect">
+            <a:avLst/>
+          </a:prstGeom>
+          <a:noFill/>
+          <a:ln>
+            <a:noFill/>
+          </a:ln>
+        </p:spPr>
+        <p:style>
+          <a:lnRef idx="2">
+            <a:schemeClr val="accent1">
+              <a:shade val="50000"/>
+            </a:schemeClr>
+          </a:lnRef>
+          <a:fillRef idx="1">
+            <a:schemeClr val="accent1"/>
+          </a:fillRef>
+          <a:effectRef idx="0">
+            <a:schemeClr val="accent1"/>
+          </a:effectRef>
+          <a:fontRef idx="minor">
+            <a:schemeClr val="lt1"/>
+          </a:fontRef>
+        </p:style>
+        <p:txBody>
+          <a:bodyPr lIns="0" tIns="0" rIns="0" bIns="0" rtlCol="0" anchor="ctr"/>
+          <a:lstStyle/>
+          <a:p>
+            <a:pPr marL="0" marR="0">
+              <a:lnSpc>
+                <a:spcPct val="70000"/>
+              </a:lnSpc>
+              <a:spcBef>
+                <a:spcPts val="0"/>
+              </a:spcBef>
+              <a:spcAft>
+                <a:spcPts val="0"/>
+              </a:spcAft>
+            </a:pPr>
+            <a:r>
+              <a:rPr lang="en-US" dirty="0">
+                <a:solidFill>
+                  <a:srgbClr val="000000"/>
+                </a:solidFill>
+                <a:effectLst/>
+                <a:ea typeface="Calibri" panose="020F0502020204030204" pitchFamily="34" charset="0"/>
+                <a:cs typeface="Times New Roman" panose="02020603050405020304" pitchFamily="18" charset="0"/>
+              </a:rPr>
+              <a:t>Analysis Context</a:t>
+            </a:r>
+            <a:endParaRPr lang="en-US" dirty="0">
+              <a:effectLst/>
+              <a:ea typeface="Calibri" panose="020F0502020204030204" pitchFamily="34" charset="0"/>
+              <a:cs typeface="Times New Roman" panose="02020603050405020304" pitchFamily="18" charset="0"/>
+            </a:endParaRPr>
+          </a:p>
+        </p:txBody>
+      </p:sp>
+      <p:sp>
+        <p:nvSpPr>
+          <p:cNvPr id="117" name="Rectangle 116">
+            <a:extLst>
+              <a:ext uri="{FF2B5EF4-FFF2-40B4-BE49-F238E27FC236}">
+                <a16:creationId xmlns:a16="http://schemas.microsoft.com/office/drawing/2014/main" id="{F44D2B4C-A44E-42CB-B756-5843086FC3F3}"/>
+              </a:ext>
+            </a:extLst>
+          </p:cNvPr>
+          <p:cNvSpPr/>
+          <p:nvPr/>
+        </p:nvSpPr>
+        <p:spPr>
+          <a:xfrm>
+            <a:off x="9830285" y="1106561"/>
+            <a:ext cx="1188720" cy="768096"/>
           </a:xfrm>
           <a:prstGeom prst="rect">
             <a:avLst/>
@@ -6208,13 +6497,13 @@
           <a:p>
             <a:pPr marL="0" marR="0" algn="ctr">
               <a:lnSpc>
-                <a:spcPct val="106000"/>
+                <a:spcPct val="107000"/>
               </a:lnSpc>
               <a:spcBef>
                 <a:spcPts val="0"/>
               </a:spcBef>
               <a:spcAft>
-                <a:spcPts val="800"/>
+                <a:spcPts val="0"/>
               </a:spcAft>
             </a:pPr>
             <a:r>
@@ -6226,7 +6515,7 @@
                 <a:ea typeface="Calibri" panose="020F0502020204030204" pitchFamily="34" charset="0"/>
                 <a:cs typeface="Times New Roman" panose="02020603050405020304" pitchFamily="18" charset="0"/>
               </a:rPr>
-              <a:t>Technology Preprocessing</a:t>
+              <a:t>Policy</a:t>
             </a:r>
             <a:endParaRPr lang="en-US" sz="2400" dirty="0">
               <a:effectLst/>
@@ -6236,12 +6525,129 @@
           </a:p>
         </p:txBody>
       </p:sp>
+      <p:grpSp>
+        <p:nvGrpSpPr>
+          <p:cNvPr id="136" name="Group 135">
+            <a:extLst>
+              <a:ext uri="{FF2B5EF4-FFF2-40B4-BE49-F238E27FC236}">
+                <a16:creationId xmlns:a16="http://schemas.microsoft.com/office/drawing/2014/main" id="{3BBCBDB9-C422-4CA0-8CFE-577E82872762}"/>
+              </a:ext>
+            </a:extLst>
+          </p:cNvPr>
+          <p:cNvGrpSpPr/>
+          <p:nvPr/>
+        </p:nvGrpSpPr>
+        <p:grpSpPr>
+          <a:xfrm>
+            <a:off x="7582712" y="1751420"/>
+            <a:ext cx="1103080" cy="2613943"/>
+            <a:chOff x="7582711" y="1694612"/>
+            <a:chExt cx="1103080" cy="2613943"/>
+          </a:xfrm>
+        </p:grpSpPr>
+        <p:cxnSp>
+          <p:nvCxnSpPr>
+            <p:cNvPr id="107" name="Connector: Elbow 106">
+              <a:extLst>
+                <a:ext uri="{FF2B5EF4-FFF2-40B4-BE49-F238E27FC236}">
+                  <a16:creationId xmlns:a16="http://schemas.microsoft.com/office/drawing/2014/main" id="{F909C4AA-D2DC-43B9-9F1F-C219E4C227A6}"/>
+                </a:ext>
+              </a:extLst>
+            </p:cNvPr>
+            <p:cNvCxnSpPr>
+              <a:cxnSpLocks/>
+              <a:endCxn id="12" idx="1"/>
+            </p:cNvCxnSpPr>
+            <p:nvPr/>
+          </p:nvCxnSpPr>
+          <p:spPr>
+            <a:xfrm rot="5400000">
+              <a:off x="6945905" y="2645692"/>
+              <a:ext cx="2299669" cy="1026058"/>
+            </a:xfrm>
+            <a:prstGeom prst="bentConnector4">
+              <a:avLst>
+                <a:gd name="adj1" fmla="val -363"/>
+                <a:gd name="adj2" fmla="val 122279"/>
+              </a:avLst>
+            </a:prstGeom>
+            <a:ln w="38100">
+              <a:prstDash val="solid"/>
+              <a:tailEnd type="triangle"/>
+            </a:ln>
+          </p:spPr>
+          <p:style>
+            <a:lnRef idx="1">
+              <a:schemeClr val="accent1"/>
+            </a:lnRef>
+            <a:fillRef idx="0">
+              <a:schemeClr val="accent1"/>
+            </a:fillRef>
+            <a:effectRef idx="0">
+              <a:schemeClr val="accent1"/>
+            </a:effectRef>
+            <a:fontRef idx="minor">
+              <a:schemeClr val="tx1"/>
+            </a:fontRef>
+          </p:style>
+        </p:cxnSp>
+        <p:sp>
+          <p:nvSpPr>
+            <p:cNvPr id="128" name="Isosceles Triangle 127">
+              <a:extLst>
+                <a:ext uri="{FF2B5EF4-FFF2-40B4-BE49-F238E27FC236}">
+                  <a16:creationId xmlns:a16="http://schemas.microsoft.com/office/drawing/2014/main" id="{0ECFD5EC-D968-4B2E-8DD1-C99ED2FF3C15}"/>
+                </a:ext>
+              </a:extLst>
+            </p:cNvPr>
+            <p:cNvSpPr/>
+            <p:nvPr/>
+          </p:nvSpPr>
+          <p:spPr>
+            <a:xfrm>
+              <a:off x="8632757" y="1694612"/>
+              <a:ext cx="53034" cy="45719"/>
+            </a:xfrm>
+            <a:prstGeom prst="triangle">
+              <a:avLst/>
+            </a:prstGeom>
+            <a:noFill/>
+            <a:ln>
+              <a:noFill/>
+            </a:ln>
+          </p:spPr>
+          <p:style>
+            <a:lnRef idx="2">
+              <a:schemeClr val="accent1">
+                <a:shade val="50000"/>
+              </a:schemeClr>
+            </a:lnRef>
+            <a:fillRef idx="1">
+              <a:schemeClr val="accent1"/>
+            </a:fillRef>
+            <a:effectRef idx="0">
+              <a:schemeClr val="accent1"/>
+            </a:effectRef>
+            <a:fontRef idx="minor">
+              <a:schemeClr val="lt1"/>
+            </a:fontRef>
+          </p:style>
+          <p:txBody>
+            <a:bodyPr rtlCol="0" anchor="ctr"/>
+            <a:lstStyle/>
+            <a:p>
+              <a:pPr algn="ctr"/>
+              <a:endParaRPr lang="en-US"/>
+            </a:p>
+          </p:txBody>
+        </p:sp>
+      </p:grpSp>
       <p:cxnSp>
         <p:nvCxnSpPr>
-          <p:cNvPr id="91" name="Straight Arrow Connector 90">
-            <a:extLst>
-              <a:ext uri="{FF2B5EF4-FFF2-40B4-BE49-F238E27FC236}">
-                <a16:creationId xmlns:a16="http://schemas.microsoft.com/office/drawing/2014/main" id="{7CE88EC6-6EB0-44AD-A251-A9E612230160}"/>
+          <p:cNvPr id="152" name="Straight Arrow Connector 151">
+            <a:extLst>
+              <a:ext uri="{FF2B5EF4-FFF2-40B4-BE49-F238E27FC236}">
+                <a16:creationId xmlns:a16="http://schemas.microsoft.com/office/drawing/2014/main" id="{33602227-703A-4562-8306-74FE4148D2B9}"/>
               </a:ext>
             </a:extLst>
           </p:cNvPr>
@@ -6252,11 +6658,94 @@
         </p:nvCxnSpPr>
         <p:spPr>
           <a:xfrm>
-            <a:off x="3517410" y="773975"/>
-            <a:ext cx="0" cy="487011"/>
+            <a:off x="8610250" y="586514"/>
+            <a:ext cx="0" cy="1494847"/>
           </a:xfrm>
           <a:prstGeom prst="straightConnector1">
             <a:avLst/>
+          </a:prstGeom>
+          <a:ln w="38100">
+            <a:tailEnd type="none"/>
+          </a:ln>
+        </p:spPr>
+        <p:style>
+          <a:lnRef idx="1">
+            <a:schemeClr val="accent1"/>
+          </a:lnRef>
+          <a:fillRef idx="0">
+            <a:schemeClr val="accent1"/>
+          </a:fillRef>
+          <a:effectRef idx="0">
+            <a:schemeClr val="accent1"/>
+          </a:effectRef>
+          <a:fontRef idx="minor">
+            <a:schemeClr val="tx1"/>
+          </a:fontRef>
+        </p:style>
+      </p:cxnSp>
+      <p:cxnSp>
+        <p:nvCxnSpPr>
+          <p:cNvPr id="157" name="Straight Arrow Connector 156">
+            <a:extLst>
+              <a:ext uri="{FF2B5EF4-FFF2-40B4-BE49-F238E27FC236}">
+                <a16:creationId xmlns:a16="http://schemas.microsoft.com/office/drawing/2014/main" id="{B8AE62AC-31D7-48DA-9DD6-564C6CC2233E}"/>
+              </a:ext>
+            </a:extLst>
+          </p:cNvPr>
+          <p:cNvCxnSpPr>
+            <a:cxnSpLocks/>
+          </p:cNvCxnSpPr>
+          <p:nvPr/>
+        </p:nvCxnSpPr>
+        <p:spPr>
+          <a:xfrm>
+            <a:off x="9967242" y="586514"/>
+            <a:ext cx="0" cy="520047"/>
+          </a:xfrm>
+          <a:prstGeom prst="straightConnector1">
+            <a:avLst/>
+          </a:prstGeom>
+          <a:ln w="38100">
+            <a:tailEnd type="triangle"/>
+          </a:ln>
+        </p:spPr>
+        <p:style>
+          <a:lnRef idx="1">
+            <a:schemeClr val="accent1"/>
+          </a:lnRef>
+          <a:fillRef idx="0">
+            <a:schemeClr val="accent1"/>
+          </a:fillRef>
+          <a:effectRef idx="0">
+            <a:schemeClr val="accent1"/>
+          </a:effectRef>
+          <a:fontRef idx="minor">
+            <a:schemeClr val="tx1"/>
+          </a:fontRef>
+        </p:style>
+      </p:cxnSp>
+      <p:sp>
+        <p:nvSpPr>
+          <p:cNvPr id="169" name="Arc 168">
+            <a:extLst>
+              <a:ext uri="{FF2B5EF4-FFF2-40B4-BE49-F238E27FC236}">
+                <a16:creationId xmlns:a16="http://schemas.microsoft.com/office/drawing/2014/main" id="{DF1E1903-3878-4009-8E25-C2A2F94C35A7}"/>
+              </a:ext>
+            </a:extLst>
+          </p:cNvPr>
+          <p:cNvSpPr/>
+          <p:nvPr/>
+        </p:nvSpPr>
+        <p:spPr>
+          <a:xfrm rot="7736929" flipV="1">
+            <a:off x="10198397" y="1873425"/>
+            <a:ext cx="457200" cy="457200"/>
+          </a:xfrm>
+          <a:prstGeom prst="arc">
+            <a:avLst>
+              <a:gd name="adj1" fmla="val 16200000"/>
+              <a:gd name="adj2" fmla="val 987624"/>
+            </a:avLst>
           </a:prstGeom>
           <a:ln w="38100">
             <a:headEnd type="none" w="med" len="med"/>
@@ -6277,13 +6766,135 @@
             <a:schemeClr val="tx1"/>
           </a:fontRef>
         </p:style>
-      </p:cxnSp>
-      <p:sp>
-        <p:nvSpPr>
-          <p:cNvPr id="92" name="Rectangle 91">
-            <a:extLst>
-              <a:ext uri="{FF2B5EF4-FFF2-40B4-BE49-F238E27FC236}">
-                <a16:creationId xmlns:a16="http://schemas.microsoft.com/office/drawing/2014/main" id="{73694E19-8ADC-40A4-A54E-0817646AB896}"/>
+        <p:txBody>
+          <a:bodyPr rtlCol="0" anchor="ctr"/>
+          <a:lstStyle/>
+          <a:p>
+            <a:endParaRPr lang="en-US" sz="3200" dirty="0"/>
+          </a:p>
+        </p:txBody>
+      </p:sp>
+      <p:grpSp>
+        <p:nvGrpSpPr>
+          <p:cNvPr id="176" name="Group 175">
+            <a:extLst>
+              <a:ext uri="{FF2B5EF4-FFF2-40B4-BE49-F238E27FC236}">
+                <a16:creationId xmlns:a16="http://schemas.microsoft.com/office/drawing/2014/main" id="{3483C51E-3C47-47C9-8FDA-6A67F86A7506}"/>
+              </a:ext>
+            </a:extLst>
+          </p:cNvPr>
+          <p:cNvGrpSpPr/>
+          <p:nvPr/>
+        </p:nvGrpSpPr>
+        <p:grpSpPr>
+          <a:xfrm flipH="1">
+            <a:off x="8494187" y="1984309"/>
+            <a:ext cx="1473055" cy="448523"/>
+            <a:chOff x="7501071" y="1694612"/>
+            <a:chExt cx="1184720" cy="2682752"/>
+          </a:xfrm>
+        </p:grpSpPr>
+        <p:cxnSp>
+          <p:nvCxnSpPr>
+            <p:cNvPr id="177" name="Connector: Elbow 176">
+              <a:extLst>
+                <a:ext uri="{FF2B5EF4-FFF2-40B4-BE49-F238E27FC236}">
+                  <a16:creationId xmlns:a16="http://schemas.microsoft.com/office/drawing/2014/main" id="{4BE5D2A5-A23D-45E4-B0B4-FCC95725E7AE}"/>
+                </a:ext>
+              </a:extLst>
+            </p:cNvPr>
+            <p:cNvCxnSpPr>
+              <a:cxnSpLocks/>
+            </p:cNvCxnSpPr>
+            <p:nvPr/>
+          </p:nvCxnSpPr>
+          <p:spPr>
+            <a:xfrm rot="5400000">
+              <a:off x="6870680" y="2639277"/>
+              <a:ext cx="2368478" cy="1107696"/>
+            </a:xfrm>
+            <a:prstGeom prst="bentConnector3">
+              <a:avLst>
+                <a:gd name="adj1" fmla="val 3051"/>
+              </a:avLst>
+            </a:prstGeom>
+            <a:ln w="38100">
+              <a:prstDash val="solid"/>
+              <a:tailEnd type="triangle"/>
+            </a:ln>
+          </p:spPr>
+          <p:style>
+            <a:lnRef idx="1">
+              <a:schemeClr val="accent1"/>
+            </a:lnRef>
+            <a:fillRef idx="0">
+              <a:schemeClr val="accent1"/>
+            </a:fillRef>
+            <a:effectRef idx="0">
+              <a:schemeClr val="accent1"/>
+            </a:effectRef>
+            <a:fontRef idx="minor">
+              <a:schemeClr val="tx1"/>
+            </a:fontRef>
+          </p:style>
+        </p:cxnSp>
+        <p:sp>
+          <p:nvSpPr>
+            <p:cNvPr id="178" name="Isosceles Triangle 177">
+              <a:extLst>
+                <a:ext uri="{FF2B5EF4-FFF2-40B4-BE49-F238E27FC236}">
+                  <a16:creationId xmlns:a16="http://schemas.microsoft.com/office/drawing/2014/main" id="{106B46BE-1D35-4D98-B6E2-A84C59068819}"/>
+                </a:ext>
+              </a:extLst>
+            </p:cNvPr>
+            <p:cNvSpPr/>
+            <p:nvPr/>
+          </p:nvSpPr>
+          <p:spPr>
+            <a:xfrm>
+              <a:off x="8632757" y="1694612"/>
+              <a:ext cx="53034" cy="45719"/>
+            </a:xfrm>
+            <a:prstGeom prst="triangle">
+              <a:avLst/>
+            </a:prstGeom>
+            <a:noFill/>
+            <a:ln>
+              <a:noFill/>
+            </a:ln>
+          </p:spPr>
+          <p:style>
+            <a:lnRef idx="2">
+              <a:schemeClr val="accent1">
+                <a:shade val="50000"/>
+              </a:schemeClr>
+            </a:lnRef>
+            <a:fillRef idx="1">
+              <a:schemeClr val="accent1"/>
+            </a:fillRef>
+            <a:effectRef idx="0">
+              <a:schemeClr val="accent1"/>
+            </a:effectRef>
+            <a:fontRef idx="minor">
+              <a:schemeClr val="lt1"/>
+            </a:fontRef>
+          </p:style>
+          <p:txBody>
+            <a:bodyPr rtlCol="0" anchor="ctr"/>
+            <a:lstStyle/>
+            <a:p>
+              <a:pPr algn="ctr"/>
+              <a:endParaRPr lang="en-US"/>
+            </a:p>
+          </p:txBody>
+        </p:sp>
+      </p:grpSp>
+      <p:sp>
+        <p:nvSpPr>
+          <p:cNvPr id="53" name="Arc 52">
+            <a:extLst>
+              <a:ext uri="{FF2B5EF4-FFF2-40B4-BE49-F238E27FC236}">
+                <a16:creationId xmlns:a16="http://schemas.microsoft.com/office/drawing/2014/main" id="{1D0FEF4A-B299-4C12-A8F6-23165A3BCD9C}"/>
               </a:ext>
             </a:extLst>
           </p:cNvPr>
@@ -6291,9 +6902,59 @@
           <p:nvPr/>
         </p:nvSpPr>
         <p:spPr>
+          <a:xfrm rot="18630077" flipV="1">
+            <a:off x="10215146" y="1921168"/>
+            <a:ext cx="457200" cy="457200"/>
+          </a:xfrm>
+          <a:prstGeom prst="arc">
+            <a:avLst>
+              <a:gd name="adj1" fmla="val 16200000"/>
+              <a:gd name="adj2" fmla="val 987624"/>
+            </a:avLst>
+          </a:prstGeom>
+          <a:ln w="38100">
+            <a:headEnd type="none" w="med" len="med"/>
+            <a:tailEnd type="triangle" w="med" len="med"/>
+          </a:ln>
+        </p:spPr>
+        <p:style>
+          <a:lnRef idx="1">
+            <a:schemeClr val="accent1"/>
+          </a:lnRef>
+          <a:fillRef idx="0">
+            <a:schemeClr val="accent1"/>
+          </a:fillRef>
+          <a:effectRef idx="0">
+            <a:schemeClr val="accent1"/>
+          </a:effectRef>
+          <a:fontRef idx="minor">
+            <a:schemeClr val="tx1"/>
+          </a:fontRef>
+        </p:style>
+        <p:txBody>
+          <a:bodyPr rtlCol="0" anchor="ctr"/>
+          <a:lstStyle/>
+          <a:p>
+            <a:endParaRPr lang="en-US" sz="3200" dirty="0"/>
+          </a:p>
+        </p:txBody>
+      </p:sp>
+      <p:sp>
+        <p:nvSpPr>
+          <p:cNvPr id="59" name="Rectangle 58">
+            <a:extLst>
+              <a:ext uri="{FF2B5EF4-FFF2-40B4-BE49-F238E27FC236}">
+                <a16:creationId xmlns:a16="http://schemas.microsoft.com/office/drawing/2014/main" id="{C3DE76D4-A1BB-47DF-9EAA-271E0E1CD357}"/>
+              </a:ext>
+            </a:extLst>
+          </p:cNvPr>
+          <p:cNvSpPr/>
+          <p:nvPr/>
+        </p:nvSpPr>
+        <p:spPr>
           <a:xfrm>
-            <a:off x="3590929" y="773975"/>
-            <a:ext cx="1429457" cy="522359"/>
+            <a:off x="10756815" y="1943900"/>
+            <a:ext cx="1610556" cy="398640"/>
           </a:xfrm>
           <a:prstGeom prst="rect">
             <a:avLst/>
@@ -6335,18 +6996,42 @@
               </a:spcAft>
             </a:pPr>
             <a:r>
-              <a:rPr lang="en-US" kern="1200" dirty="0">
+              <a:rPr lang="en-US" dirty="0">
                 <a:solidFill>
                   <a:srgbClr val="000000"/>
                 </a:solidFill>
-                <a:effectLst/>
                 <a:ea typeface="Calibri" panose="020F0502020204030204" pitchFamily="34" charset="0"/>
                 <a:cs typeface="Times New Roman" panose="02020603050405020304" pitchFamily="18" charset="0"/>
               </a:rPr>
-              <a:t>Technologies</a:t>
-            </a:r>
-            <a:endParaRPr lang="en-US" dirty="0">
-              <a:effectLst/>
+              <a:t>Compliance</a:t>
+            </a:r>
+          </a:p>
+          <a:p>
+            <a:pPr marL="0" marR="0">
+              <a:lnSpc>
+                <a:spcPct val="70000"/>
+              </a:lnSpc>
+              <a:spcBef>
+                <a:spcPts val="0"/>
+              </a:spcBef>
+              <a:spcAft>
+                <a:spcPts val="0"/>
+              </a:spcAft>
+            </a:pPr>
+            <a:r>
+              <a:rPr lang="en-US" dirty="0">
+                <a:solidFill>
+                  <a:srgbClr val="000000"/>
+                </a:solidFill>
+                <a:ea typeface="Calibri" panose="020F0502020204030204" pitchFamily="34" charset="0"/>
+                <a:cs typeface="Times New Roman" panose="02020603050405020304" pitchFamily="18" charset="0"/>
+              </a:rPr>
+              <a:t>Iteration</a:t>
+            </a:r>
+            <a:endParaRPr lang="en-US" kern="1200" dirty="0">
+              <a:solidFill>
+                <a:srgbClr val="000000"/>
+              </a:solidFill>
               <a:ea typeface="Calibri" panose="020F0502020204030204" pitchFamily="34" charset="0"/>
               <a:cs typeface="Times New Roman" panose="02020603050405020304" pitchFamily="18" charset="0"/>
             </a:endParaRPr>
@@ -6355,10 +7040,10 @@
       </p:sp>
       <p:sp>
         <p:nvSpPr>
-          <p:cNvPr id="96" name="Rectangle 95">
-            <a:extLst>
-              <a:ext uri="{FF2B5EF4-FFF2-40B4-BE49-F238E27FC236}">
-                <a16:creationId xmlns:a16="http://schemas.microsoft.com/office/drawing/2014/main" id="{B2B4F85F-D359-443C-B79B-9E496CBCE2FA}"/>
+          <p:cNvPr id="60" name="Arc 59">
+            <a:extLst>
+              <a:ext uri="{FF2B5EF4-FFF2-40B4-BE49-F238E27FC236}">
+                <a16:creationId xmlns:a16="http://schemas.microsoft.com/office/drawing/2014/main" id="{9BA968FB-E1F8-4653-B74A-F72E4C75B63A}"/>
               </a:ext>
             </a:extLst>
           </p:cNvPr>
@@ -6366,9 +7051,59 @@
           <p:nvPr/>
         </p:nvSpPr>
         <p:spPr>
+          <a:xfrm rot="7743365">
+            <a:off x="8676137" y="1913196"/>
+            <a:ext cx="1280160" cy="1280160"/>
+          </a:xfrm>
+          <a:prstGeom prst="arc">
+            <a:avLst>
+              <a:gd name="adj1" fmla="val 16200000"/>
+              <a:gd name="adj2" fmla="val 987624"/>
+            </a:avLst>
+          </a:prstGeom>
+          <a:ln w="38100">
+            <a:headEnd type="none" w="med" len="med"/>
+            <a:tailEnd type="triangle" w="med" len="med"/>
+          </a:ln>
+        </p:spPr>
+        <p:style>
+          <a:lnRef idx="1">
+            <a:schemeClr val="accent1"/>
+          </a:lnRef>
+          <a:fillRef idx="0">
+            <a:schemeClr val="accent1"/>
+          </a:fillRef>
+          <a:effectRef idx="0">
+            <a:schemeClr val="accent1"/>
+          </a:effectRef>
+          <a:fontRef idx="minor">
+            <a:schemeClr val="tx1"/>
+          </a:fontRef>
+        </p:style>
+        <p:txBody>
+          <a:bodyPr rtlCol="0" anchor="ctr"/>
+          <a:lstStyle/>
+          <a:p>
+            <a:endParaRPr lang="en-US" sz="3200" dirty="0"/>
+          </a:p>
+        </p:txBody>
+      </p:sp>
+      <p:sp>
+        <p:nvSpPr>
+          <p:cNvPr id="61" name="Rectangle 60">
+            <a:extLst>
+              <a:ext uri="{FF2B5EF4-FFF2-40B4-BE49-F238E27FC236}">
+                <a16:creationId xmlns:a16="http://schemas.microsoft.com/office/drawing/2014/main" id="{26624E52-DE3F-4F78-B03D-E8428950403E}"/>
+              </a:ext>
+            </a:extLst>
+          </p:cNvPr>
+          <p:cNvSpPr/>
+          <p:nvPr/>
+        </p:nvSpPr>
+        <p:spPr>
           <a:xfrm>
-            <a:off x="626508" y="1279428"/>
-            <a:ext cx="2231022" cy="522916"/>
+            <a:off x="8761490" y="2577588"/>
+            <a:ext cx="1106588" cy="398640"/>
           </a:xfrm>
           <a:prstGeom prst="rect">
             <a:avLst/>
@@ -6398,7 +7133,7 @@
           <a:bodyPr lIns="0" tIns="0" rIns="0" bIns="0" rtlCol="0" anchor="ctr"/>
           <a:lstStyle/>
           <a:p>
-            <a:pPr marL="0" marR="0" algn="r">
+            <a:pPr marL="0" marR="0" algn="ctr">
               <a:lnSpc>
                 <a:spcPct val="70000"/>
               </a:lnSpc>
@@ -6410,26 +7145,18 @@
               </a:spcAft>
             </a:pPr>
             <a:r>
-              <a:rPr lang="en-US" kern="1200" dirty="0">
+              <a:rPr lang="en-US" dirty="0">
                 <a:solidFill>
                   <a:srgbClr val="000000"/>
                 </a:solidFill>
-                <a:effectLst/>
                 <a:ea typeface="Calibri" panose="020F0502020204030204" pitchFamily="34" charset="0"/>
                 <a:cs typeface="Times New Roman" panose="02020603050405020304" pitchFamily="18" charset="0"/>
               </a:rPr>
-              <a:t>Policy Alternatives +</a:t>
-            </a:r>
-            <a:endParaRPr lang="en-US" kern="1200" dirty="0">
-              <a:solidFill>
-                <a:srgbClr val="000000"/>
-              </a:solidFill>
-              <a:ea typeface="Calibri" panose="020F0502020204030204" pitchFamily="34" charset="0"/>
-              <a:cs typeface="Times New Roman" panose="02020603050405020304" pitchFamily="18" charset="0"/>
-            </a:endParaRPr>
-          </a:p>
-          <a:p>
-            <a:pPr marL="0" marR="0" algn="r">
+              <a:t>Market</a:t>
+            </a:r>
+          </a:p>
+          <a:p>
+            <a:pPr marL="0" marR="0" algn="ctr">
               <a:lnSpc>
                 <a:spcPct val="70000"/>
               </a:lnSpc>
@@ -6441,89 +7168,45 @@
               </a:spcAft>
             </a:pPr>
             <a:r>
-              <a:rPr lang="en-US" dirty="0">
+              <a:rPr lang="en-US" kern="1200" dirty="0">
                 <a:solidFill>
                   <a:srgbClr val="000000"/>
                 </a:solidFill>
-                <a:effectLst/>
                 <a:ea typeface="Calibri" panose="020F0502020204030204" pitchFamily="34" charset="0"/>
                 <a:cs typeface="Times New Roman" panose="02020603050405020304" pitchFamily="18" charset="0"/>
               </a:rPr>
-              <a:t>Base Year Fleet</a:t>
-            </a:r>
-            <a:endParaRPr lang="en-US" dirty="0">
-              <a:effectLst/>
-              <a:ea typeface="Calibri" panose="020F0502020204030204" pitchFamily="34" charset="0"/>
-              <a:cs typeface="Times New Roman" panose="02020603050405020304" pitchFamily="18" charset="0"/>
-            </a:endParaRPr>
-          </a:p>
-        </p:txBody>
-      </p:sp>
-      <p:cxnSp>
-        <p:nvCxnSpPr>
-          <p:cNvPr id="97" name="Straight Arrow Connector 96">
-            <a:extLst>
-              <a:ext uri="{FF2B5EF4-FFF2-40B4-BE49-F238E27FC236}">
-                <a16:creationId xmlns:a16="http://schemas.microsoft.com/office/drawing/2014/main" id="{D67215C6-CE7E-4AD3-941D-ABFC328F4920}"/>
-              </a:ext>
-            </a:extLst>
-          </p:cNvPr>
-          <p:cNvCxnSpPr>
-            <a:cxnSpLocks/>
-          </p:cNvCxnSpPr>
+              <a:t>Iteration</a:t>
+            </a:r>
+          </a:p>
+        </p:txBody>
+      </p:sp>
+      <p:sp>
+        <p:nvSpPr>
+          <p:cNvPr id="29" name="Oval 28">
+            <a:extLst>
+              <a:ext uri="{FF2B5EF4-FFF2-40B4-BE49-F238E27FC236}">
+                <a16:creationId xmlns:a16="http://schemas.microsoft.com/office/drawing/2014/main" id="{2F8C6409-699C-4266-B997-18E558C2CA73}"/>
+              </a:ext>
+            </a:extLst>
+          </p:cNvPr>
+          <p:cNvSpPr/>
           <p:nvPr/>
-        </p:nvCxnSpPr>
+        </p:nvSpPr>
         <p:spPr>
           <a:xfrm>
-            <a:off x="2944006" y="1296334"/>
-            <a:ext cx="0" cy="1409398"/>
-          </a:xfrm>
-          <a:prstGeom prst="straightConnector1">
+            <a:off x="10786182" y="995129"/>
+            <a:ext cx="511122" cy="511122"/>
+          </a:xfrm>
+          <a:prstGeom prst="ellipse">
             <a:avLst/>
           </a:prstGeom>
-          <a:ln w="38100">
-            <a:headEnd type="none" w="med" len="med"/>
-            <a:tailEnd type="triangle" w="med" len="med"/>
-          </a:ln>
-        </p:spPr>
-        <p:style>
-          <a:lnRef idx="1">
-            <a:schemeClr val="accent1"/>
-          </a:lnRef>
-          <a:fillRef idx="0">
-            <a:schemeClr val="accent1"/>
-          </a:fillRef>
-          <a:effectRef idx="0">
-            <a:schemeClr val="accent1"/>
-          </a:effectRef>
-          <a:fontRef idx="minor">
-            <a:schemeClr val="tx1"/>
-          </a:fontRef>
-        </p:style>
-      </p:cxnSp>
-      <p:sp>
-        <p:nvSpPr>
-          <p:cNvPr id="102" name="Rectangle 101">
-            <a:extLst>
-              <a:ext uri="{FF2B5EF4-FFF2-40B4-BE49-F238E27FC236}">
-                <a16:creationId xmlns:a16="http://schemas.microsoft.com/office/drawing/2014/main" id="{6EFB4C5F-95C2-4C76-9602-E77996337283}"/>
-              </a:ext>
-            </a:extLst>
-          </p:cNvPr>
-          <p:cNvSpPr/>
-          <p:nvPr/>
-        </p:nvSpPr>
-        <p:spPr>
-          <a:xfrm>
-            <a:off x="3134323" y="3679439"/>
-            <a:ext cx="2050980" cy="435864"/>
-          </a:xfrm>
-          <a:prstGeom prst="rect">
-            <a:avLst/>
-          </a:prstGeom>
-          <a:noFill/>
-          <a:ln>
-            <a:noFill/>
+          <a:solidFill>
+            <a:schemeClr val="bg1"/>
+          </a:solidFill>
+          <a:ln w="28575">
+            <a:solidFill>
+              <a:schemeClr val="tx1"/>
+            </a:solidFill>
           </a:ln>
         </p:spPr>
         <p:style>
@@ -6543,59 +7226,169 @@
           </a:fontRef>
         </p:style>
         <p:txBody>
-          <a:bodyPr lIns="0" tIns="0" rIns="0" bIns="0" rtlCol="0" anchor="ctr"/>
-          <a:lstStyle/>
-          <a:p>
-            <a:pPr marL="0" marR="0">
-              <a:lnSpc>
-                <a:spcPct val="70000"/>
-              </a:lnSpc>
-              <a:spcBef>
-                <a:spcPts val="0"/>
-              </a:spcBef>
-              <a:spcAft>
-                <a:spcPts val="0"/>
-              </a:spcAft>
-            </a:pPr>
-            <a:r>
-              <a:rPr lang="en-US" kern="1200" dirty="0">
+          <a:bodyPr rtlCol="0" anchor="ctr"/>
+          <a:lstStyle/>
+          <a:p>
+            <a:pPr algn="ctr"/>
+            <a:r>
+              <a:rPr lang="en-US" sz="3600" b="1" dirty="0">
                 <a:solidFill>
-                  <a:srgbClr val="000000"/>
+                  <a:schemeClr val="tx1"/>
                 </a:solidFill>
-                <a:effectLst/>
-                <a:ea typeface="Calibri" panose="020F0502020204030204" pitchFamily="34" charset="0"/>
-                <a:cs typeface="Times New Roman" panose="02020603050405020304" pitchFamily="18" charset="0"/>
               </a:rPr>
-              <a:t>New Vehicles with </a:t>
-            </a:r>
-          </a:p>
-          <a:p>
-            <a:pPr marL="0" marR="0">
-              <a:lnSpc>
-                <a:spcPct val="70000"/>
-              </a:lnSpc>
-              <a:spcBef>
-                <a:spcPts val="0"/>
-              </a:spcBef>
-              <a:spcAft>
-                <a:spcPts val="0"/>
-              </a:spcAft>
-            </a:pPr>
-            <a:r>
-              <a:rPr lang="en-US" dirty="0">
+              <a:t>2</a:t>
+            </a:r>
+          </a:p>
+        </p:txBody>
+      </p:sp>
+      <p:cxnSp>
+        <p:nvCxnSpPr>
+          <p:cNvPr id="18" name="Straight Arrow Connector 17">
+            <a:extLst>
+              <a:ext uri="{FF2B5EF4-FFF2-40B4-BE49-F238E27FC236}">
+                <a16:creationId xmlns:a16="http://schemas.microsoft.com/office/drawing/2014/main" id="{69F1C43F-7CDC-4865-AD82-C86CA52283D3}"/>
+              </a:ext>
+            </a:extLst>
+          </p:cNvPr>
+          <p:cNvCxnSpPr>
+            <a:cxnSpLocks/>
+            <a:stCxn id="39" idx="5"/>
+          </p:cNvCxnSpPr>
+          <p:nvPr/>
+        </p:nvCxnSpPr>
+        <p:spPr>
+          <a:xfrm flipH="1">
+            <a:off x="9283579" y="1865928"/>
+            <a:ext cx="402368" cy="483880"/>
+          </a:xfrm>
+          <a:prstGeom prst="straightConnector1">
+            <a:avLst/>
+          </a:prstGeom>
+          <a:ln>
+            <a:solidFill>
+              <a:schemeClr val="tx1"/>
+            </a:solidFill>
+            <a:tailEnd type="oval"/>
+          </a:ln>
+        </p:spPr>
+        <p:style>
+          <a:lnRef idx="1">
+            <a:schemeClr val="accent1"/>
+          </a:lnRef>
+          <a:fillRef idx="0">
+            <a:schemeClr val="accent1"/>
+          </a:fillRef>
+          <a:effectRef idx="0">
+            <a:schemeClr val="accent1"/>
+          </a:effectRef>
+          <a:fontRef idx="minor">
+            <a:schemeClr val="tx1"/>
+          </a:fontRef>
+        </p:style>
+      </p:cxnSp>
+      <p:cxnSp>
+        <p:nvCxnSpPr>
+          <p:cNvPr id="77" name="Straight Arrow Connector 76">
+            <a:extLst>
+              <a:ext uri="{FF2B5EF4-FFF2-40B4-BE49-F238E27FC236}">
+                <a16:creationId xmlns:a16="http://schemas.microsoft.com/office/drawing/2014/main" id="{254A9C37-E223-4D81-840C-A51D9E21FD1F}"/>
+              </a:ext>
+            </a:extLst>
+          </p:cNvPr>
+          <p:cNvCxnSpPr>
+            <a:cxnSpLocks/>
+            <a:stCxn id="39" idx="5"/>
+          </p:cNvCxnSpPr>
+          <p:nvPr/>
+        </p:nvCxnSpPr>
+        <p:spPr>
+          <a:xfrm>
+            <a:off x="9685947" y="1865928"/>
+            <a:ext cx="515542" cy="239086"/>
+          </a:xfrm>
+          <a:prstGeom prst="straightConnector1">
+            <a:avLst/>
+          </a:prstGeom>
+          <a:ln>
+            <a:solidFill>
+              <a:schemeClr val="tx1"/>
+            </a:solidFill>
+            <a:tailEnd type="oval"/>
+          </a:ln>
+        </p:spPr>
+        <p:style>
+          <a:lnRef idx="1">
+            <a:schemeClr val="accent1"/>
+          </a:lnRef>
+          <a:fillRef idx="0">
+            <a:schemeClr val="accent1"/>
+          </a:fillRef>
+          <a:effectRef idx="0">
+            <a:schemeClr val="accent1"/>
+          </a:effectRef>
+          <a:fontRef idx="minor">
+            <a:schemeClr val="tx1"/>
+          </a:fontRef>
+        </p:style>
+      </p:cxnSp>
+      <p:sp>
+        <p:nvSpPr>
+          <p:cNvPr id="84" name="Oval 83">
+            <a:extLst>
+              <a:ext uri="{FF2B5EF4-FFF2-40B4-BE49-F238E27FC236}">
+                <a16:creationId xmlns:a16="http://schemas.microsoft.com/office/drawing/2014/main" id="{B8128EC1-26AC-4AC4-BE85-2B6B90CD5E76}"/>
+              </a:ext>
+            </a:extLst>
+          </p:cNvPr>
+          <p:cNvSpPr/>
+          <p:nvPr/>
+        </p:nvSpPr>
+        <p:spPr>
+          <a:xfrm>
+            <a:off x="6833012" y="1101687"/>
+            <a:ext cx="511122" cy="511122"/>
+          </a:xfrm>
+          <a:prstGeom prst="ellipse">
+            <a:avLst/>
+          </a:prstGeom>
+          <a:solidFill>
+            <a:schemeClr val="bg1"/>
+          </a:solidFill>
+          <a:ln w="28575">
+            <a:solidFill>
+              <a:schemeClr val="tx1"/>
+            </a:solidFill>
+          </a:ln>
+        </p:spPr>
+        <p:style>
+          <a:lnRef idx="2">
+            <a:schemeClr val="accent1">
+              <a:shade val="50000"/>
+            </a:schemeClr>
+          </a:lnRef>
+          <a:fillRef idx="1">
+            <a:schemeClr val="accent1"/>
+          </a:fillRef>
+          <a:effectRef idx="0">
+            <a:schemeClr val="accent1"/>
+          </a:effectRef>
+          <a:fontRef idx="minor">
+            <a:schemeClr val="lt1"/>
+          </a:fontRef>
+        </p:style>
+        <p:txBody>
+          <a:bodyPr rtlCol="0" anchor="ctr"/>
+          <a:lstStyle/>
+          <a:p>
+            <a:pPr algn="ctr"/>
+            <a:r>
+              <a:rPr lang="en-US" sz="3600" b="1" dirty="0">
                 <a:solidFill>
-                  <a:srgbClr val="000000"/>
+                  <a:schemeClr val="tx1"/>
                 </a:solidFill>
-                <a:ea typeface="Calibri" panose="020F0502020204030204" pitchFamily="34" charset="0"/>
-                <a:cs typeface="Times New Roman" panose="02020603050405020304" pitchFamily="18" charset="0"/>
               </a:rPr>
-              <a:t>Applied Technologies</a:t>
-            </a:r>
-            <a:endParaRPr lang="en-US" dirty="0">
-              <a:effectLst/>
-              <a:ea typeface="Calibri" panose="020F0502020204030204" pitchFamily="34" charset="0"/>
-              <a:cs typeface="Times New Roman" panose="02020603050405020304" pitchFamily="18" charset="0"/>
-            </a:endParaRPr>
+              <a:t>1</a:t>
+            </a:r>
           </a:p>
         </p:txBody>
       </p:sp>

--- a/doc/source/_static/mo_figures/model_overview_raw_figures.pptx
+++ b/doc/source/_static/mo_figures/model_overview_raw_figures.pptx
@@ -197,7 +197,7 @@
           <a:p>
             <a:fld id="{7FCC5362-11BE-4886-978B-F647D810DE1A}" type="datetimeFigureOut">
               <a:rPr lang="en-US" smtClean="0"/>
-              <a:t>7/22/2021</a:t>
+              <a:t>7/30/2021</a:t>
             </a:fld>
             <a:endParaRPr lang="en-US"/>
           </a:p>
@@ -802,7 +802,7 @@
           <a:p>
             <a:fld id="{E82AF7A9-B7DD-4441-9529-7051C501C076}" type="datetimeFigureOut">
               <a:rPr lang="en-US" smtClean="0"/>
-              <a:t>7/22/2021</a:t>
+              <a:t>7/30/2021</a:t>
             </a:fld>
             <a:endParaRPr lang="en-US"/>
           </a:p>
@@ -1000,7 +1000,7 @@
           <a:p>
             <a:fld id="{E82AF7A9-B7DD-4441-9529-7051C501C076}" type="datetimeFigureOut">
               <a:rPr lang="en-US" smtClean="0"/>
-              <a:t>7/22/2021</a:t>
+              <a:t>7/30/2021</a:t>
             </a:fld>
             <a:endParaRPr lang="en-US"/>
           </a:p>
@@ -1208,7 +1208,7 @@
           <a:p>
             <a:fld id="{E82AF7A9-B7DD-4441-9529-7051C501C076}" type="datetimeFigureOut">
               <a:rPr lang="en-US" smtClean="0"/>
-              <a:t>7/22/2021</a:t>
+              <a:t>7/30/2021</a:t>
             </a:fld>
             <a:endParaRPr lang="en-US"/>
           </a:p>
@@ -1406,7 +1406,7 @@
           <a:p>
             <a:fld id="{E82AF7A9-B7DD-4441-9529-7051C501C076}" type="datetimeFigureOut">
               <a:rPr lang="en-US" smtClean="0"/>
-              <a:t>7/22/2021</a:t>
+              <a:t>7/30/2021</a:t>
             </a:fld>
             <a:endParaRPr lang="en-US"/>
           </a:p>
@@ -1681,7 +1681,7 @@
           <a:p>
             <a:fld id="{E82AF7A9-B7DD-4441-9529-7051C501C076}" type="datetimeFigureOut">
               <a:rPr lang="en-US" smtClean="0"/>
-              <a:t>7/22/2021</a:t>
+              <a:t>7/30/2021</a:t>
             </a:fld>
             <a:endParaRPr lang="en-US"/>
           </a:p>
@@ -1946,7 +1946,7 @@
           <a:p>
             <a:fld id="{E82AF7A9-B7DD-4441-9529-7051C501C076}" type="datetimeFigureOut">
               <a:rPr lang="en-US" smtClean="0"/>
-              <a:t>7/22/2021</a:t>
+              <a:t>7/30/2021</a:t>
             </a:fld>
             <a:endParaRPr lang="en-US"/>
           </a:p>
@@ -2358,7 +2358,7 @@
           <a:p>
             <a:fld id="{E82AF7A9-B7DD-4441-9529-7051C501C076}" type="datetimeFigureOut">
               <a:rPr lang="en-US" smtClean="0"/>
-              <a:t>7/22/2021</a:t>
+              <a:t>7/30/2021</a:t>
             </a:fld>
             <a:endParaRPr lang="en-US"/>
           </a:p>
@@ -2499,7 +2499,7 @@
           <a:p>
             <a:fld id="{E82AF7A9-B7DD-4441-9529-7051C501C076}" type="datetimeFigureOut">
               <a:rPr lang="en-US" smtClean="0"/>
-              <a:t>7/22/2021</a:t>
+              <a:t>7/30/2021</a:t>
             </a:fld>
             <a:endParaRPr lang="en-US"/>
           </a:p>
@@ -2612,7 +2612,7 @@
           <a:p>
             <a:fld id="{E82AF7A9-B7DD-4441-9529-7051C501C076}" type="datetimeFigureOut">
               <a:rPr lang="en-US" smtClean="0"/>
-              <a:t>7/22/2021</a:t>
+              <a:t>7/30/2021</a:t>
             </a:fld>
             <a:endParaRPr lang="en-US"/>
           </a:p>
@@ -2923,7 +2923,7 @@
           <a:p>
             <a:fld id="{E82AF7A9-B7DD-4441-9529-7051C501C076}" type="datetimeFigureOut">
               <a:rPr lang="en-US" smtClean="0"/>
-              <a:t>7/22/2021</a:t>
+              <a:t>7/30/2021</a:t>
             </a:fld>
             <a:endParaRPr lang="en-US"/>
           </a:p>
@@ -3211,7 +3211,7 @@
           <a:p>
             <a:fld id="{E82AF7A9-B7DD-4441-9529-7051C501C076}" type="datetimeFigureOut">
               <a:rPr lang="en-US" smtClean="0"/>
-              <a:t>7/22/2021</a:t>
+              <a:t>7/30/2021</a:t>
             </a:fld>
             <a:endParaRPr lang="en-US"/>
           </a:p>
@@ -3452,7 +3452,7 @@
           <a:p>
             <a:fld id="{E82AF7A9-B7DD-4441-9529-7051C501C076}" type="datetimeFigureOut">
               <a:rPr lang="en-US" smtClean="0"/>
-              <a:t>7/22/2021</a:t>
+              <a:t>7/30/2021</a:t>
             </a:fld>
             <a:endParaRPr lang="en-US"/>
           </a:p>
@@ -4080,6 +4080,11 @@
               <a:lumMod val="75000"/>
             </a:schemeClr>
           </a:solidFill>
+          <a:ln>
+            <a:solidFill>
+              <a:schemeClr val="tx1"/>
+            </a:solidFill>
+          </a:ln>
         </p:spPr>
         <p:style>
           <a:lnRef idx="2">
@@ -4235,6 +4240,11 @@
               <a:lumMod val="75000"/>
             </a:schemeClr>
           </a:solidFill>
+          <a:ln>
+            <a:solidFill>
+              <a:schemeClr val="tx1"/>
+            </a:solidFill>
+          </a:ln>
         </p:spPr>
         <p:style>
           <a:lnRef idx="2">
